--- a/Minimum Enclosing Ball for FW.pptx
+++ b/Minimum Enclosing Ball for FW.pptx
@@ -14,27 +14,27 @@
     <p:sldId id="256" r:id="rId5"/>
     <p:sldId id="277" r:id="rId6"/>
     <p:sldId id="289" r:id="rId7"/>
-    <p:sldId id="293" r:id="rId8"/>
-    <p:sldId id="266" r:id="rId9"/>
-    <p:sldId id="261" r:id="rId10"/>
-    <p:sldId id="262" r:id="rId11"/>
-    <p:sldId id="294" r:id="rId12"/>
-    <p:sldId id="295" r:id="rId13"/>
-    <p:sldId id="296" r:id="rId14"/>
-    <p:sldId id="300" r:id="rId15"/>
-    <p:sldId id="298" r:id="rId16"/>
-    <p:sldId id="307" r:id="rId17"/>
-    <p:sldId id="304" r:id="rId18"/>
-    <p:sldId id="301" r:id="rId19"/>
-    <p:sldId id="308" r:id="rId20"/>
-    <p:sldId id="299" r:id="rId21"/>
-    <p:sldId id="302" r:id="rId22"/>
-    <p:sldId id="309" r:id="rId23"/>
-    <p:sldId id="305" r:id="rId24"/>
-    <p:sldId id="303" r:id="rId25"/>
-    <p:sldId id="310" r:id="rId26"/>
-    <p:sldId id="306" r:id="rId27"/>
-    <p:sldId id="270" r:id="rId28"/>
+    <p:sldId id="311" r:id="rId8"/>
+    <p:sldId id="312" r:id="rId9"/>
+    <p:sldId id="266" r:id="rId10"/>
+    <p:sldId id="261" r:id="rId11"/>
+    <p:sldId id="262" r:id="rId12"/>
+    <p:sldId id="294" r:id="rId13"/>
+    <p:sldId id="295" r:id="rId14"/>
+    <p:sldId id="296" r:id="rId15"/>
+    <p:sldId id="300" r:id="rId16"/>
+    <p:sldId id="298" r:id="rId17"/>
+    <p:sldId id="307" r:id="rId18"/>
+    <p:sldId id="304" r:id="rId19"/>
+    <p:sldId id="301" r:id="rId20"/>
+    <p:sldId id="308" r:id="rId21"/>
+    <p:sldId id="299" r:id="rId22"/>
+    <p:sldId id="302" r:id="rId23"/>
+    <p:sldId id="309" r:id="rId24"/>
+    <p:sldId id="305" r:id="rId25"/>
+    <p:sldId id="303" r:id="rId26"/>
+    <p:sldId id="310" r:id="rId27"/>
+    <p:sldId id="306" r:id="rId28"/>
     <p:sldId id="275" r:id="rId29"/>
     <p:sldId id="276" r:id="rId30"/>
   </p:sldIdLst>
@@ -263,7 +263,7 @@
           <a:p>
             <a:fld id="{F352A77B-D33C-49B3-A83C-450AA2ED72B3}" type="datetimeFigureOut">
               <a:rPr lang="en-US" smtClean="0"/>
-              <a:t>18-Sep-23</a:t>
+              <a:t>20-Sep-23</a:t>
             </a:fld>
             <a:endParaRPr lang="en-US" dirty="0"/>
           </a:p>
@@ -440,7 +440,7 @@
           <a:p>
             <a:fld id="{E38D8F9A-F5CB-4EF8-A859-ED5E107B9763}" type="datetimeFigureOut">
               <a:rPr lang="en-US" smtClean="0"/>
-              <a:t>18-Sep-23</a:t>
+              <a:t>20-Sep-23</a:t>
             </a:fld>
             <a:endParaRPr lang="en-US" dirty="0"/>
           </a:p>
@@ -15890,13 +15890,8 @@
           <a:p>
             <a:r>
               <a:rPr lang="en-US" dirty="0"/>
-              <a:t>(1+ epsilon) approximation of </a:t>
+              <a:t>Blended pairwise conditional gradient</a:t>
             </a:r>
-            <a:r>
-              <a:rPr lang="en-US" dirty="0" err="1"/>
-              <a:t>meb</a:t>
-            </a:r>
-            <a:endParaRPr lang="en-US" dirty="0"/>
           </a:p>
         </p:txBody>
       </p:sp>
@@ -15930,6 +15925,139 @@
               <a:rPr lang="en-US" smtClean="0"/>
               <a:pPr/>
               <a:t>10</a:t>
+            </a:fld>
+            <a:endParaRPr lang="en-US" dirty="0"/>
+          </a:p>
+        </p:txBody>
+      </p:sp>
+      <p:pic>
+        <p:nvPicPr>
+          <p:cNvPr id="25" name="Picture 24">
+            <a:extLst>
+              <a:ext uri="{FF2B5EF4-FFF2-40B4-BE49-F238E27FC236}">
+                <a16:creationId xmlns:a16="http://schemas.microsoft.com/office/drawing/2014/main" id="{448A4346-1542-9C16-C7E7-C3E88B9C2405}"/>
+              </a:ext>
+            </a:extLst>
+          </p:cNvPr>
+          <p:cNvPicPr>
+            <a:picLocks noChangeAspect="1"/>
+          </p:cNvPicPr>
+          <p:nvPr/>
+        </p:nvPicPr>
+        <p:blipFill>
+          <a:blip r:embed="rId2"/>
+          <a:stretch>
+            <a:fillRect/>
+          </a:stretch>
+        </p:blipFill>
+        <p:spPr>
+          <a:xfrm>
+            <a:off x="2555386" y="1904692"/>
+            <a:ext cx="7081227" cy="4451658"/>
+          </a:xfrm>
+          <a:prstGeom prst="rect">
+            <a:avLst/>
+          </a:prstGeom>
+        </p:spPr>
+      </p:pic>
+    </p:spTree>
+    <p:extLst>
+      <p:ext uri="{BB962C8B-B14F-4D97-AF65-F5344CB8AC3E}">
+        <p14:creationId xmlns:p14="http://schemas.microsoft.com/office/powerpoint/2010/main" val="2006960613"/>
+      </p:ext>
+    </p:extLst>
+  </p:cSld>
+  <p:clrMapOvr>
+    <a:masterClrMapping/>
+  </p:clrMapOvr>
+</p:sld>
+</file>
+
+<file path=ppt/slides/slide11.xml><?xml version="1.0" encoding="utf-8"?>
+<p:sld xmlns:a="http://schemas.openxmlformats.org/drawingml/2006/main" xmlns:r="http://schemas.openxmlformats.org/officeDocument/2006/relationships" xmlns:p="http://schemas.openxmlformats.org/presentationml/2006/main">
+  <p:cSld>
+    <p:spTree>
+      <p:nvGrpSpPr>
+        <p:cNvPr id="1" name=""/>
+        <p:cNvGrpSpPr/>
+        <p:nvPr/>
+      </p:nvGrpSpPr>
+      <p:grpSpPr>
+        <a:xfrm>
+          <a:off x="0" y="0"/>
+          <a:ext cx="0" cy="0"/>
+          <a:chOff x="0" y="0"/>
+          <a:chExt cx="0" cy="0"/>
+        </a:xfrm>
+      </p:grpSpPr>
+      <p:sp>
+        <p:nvSpPr>
+          <p:cNvPr id="2" name="Title 1">
+            <a:extLst>
+              <a:ext uri="{FF2B5EF4-FFF2-40B4-BE49-F238E27FC236}">
+                <a16:creationId xmlns:a16="http://schemas.microsoft.com/office/drawing/2014/main" id="{5CE54ABB-4929-4810-950B-2DAEA0A5BAB4}"/>
+              </a:ext>
+            </a:extLst>
+          </p:cNvPr>
+          <p:cNvSpPr>
+            <a:spLocks noGrp="1"/>
+          </p:cNvSpPr>
+          <p:nvPr>
+            <p:ph type="title"/>
+          </p:nvPr>
+        </p:nvSpPr>
+        <p:spPr>
+          <a:xfrm>
+            <a:off x="1885156" y="892177"/>
+            <a:ext cx="8421688" cy="1325563"/>
+          </a:xfrm>
+        </p:spPr>
+        <p:txBody>
+          <a:bodyPr/>
+          <a:lstStyle/>
+          <a:p>
+            <a:r>
+              <a:rPr lang="en-US" dirty="0"/>
+              <a:t>(1+ epsilon) approximation of </a:t>
+            </a:r>
+            <a:r>
+              <a:rPr lang="en-US" dirty="0" err="1"/>
+              <a:t>meb</a:t>
+            </a:r>
+            <a:endParaRPr lang="en-US" dirty="0"/>
+          </a:p>
+        </p:txBody>
+      </p:sp>
+      <p:sp>
+        <p:nvSpPr>
+          <p:cNvPr id="11" name="Slide Number Placeholder 10">
+            <a:extLst>
+              <a:ext uri="{FF2B5EF4-FFF2-40B4-BE49-F238E27FC236}">
+                <a16:creationId xmlns:a16="http://schemas.microsoft.com/office/drawing/2014/main" id="{BAD5B6F4-0A90-447A-A1AE-D75C934B6B29}"/>
+              </a:ext>
+            </a:extLst>
+          </p:cNvPr>
+          <p:cNvSpPr>
+            <a:spLocks noGrp="1"/>
+          </p:cNvSpPr>
+          <p:nvPr>
+            <p:ph type="sldNum" sz="quarter" idx="12"/>
+          </p:nvPr>
+        </p:nvSpPr>
+        <p:spPr>
+          <a:xfrm>
+            <a:off x="8610600" y="6356350"/>
+            <a:ext cx="2743200" cy="365125"/>
+          </a:xfrm>
+        </p:spPr>
+        <p:txBody>
+          <a:bodyPr/>
+          <a:lstStyle/>
+          <a:p>
+            <a:fld id="{B5CEABB6-07DC-46E8-9B57-56EC44A396E5}" type="slidenum">
+              <a:rPr lang="en-US" smtClean="0"/>
+              <a:pPr/>
+              <a:t>11</a:t>
             </a:fld>
             <a:endParaRPr lang="en-US" dirty="0"/>
           </a:p>
@@ -15978,7 +16106,7 @@
 </p:sld>
 </file>
 
-<file path=ppt/slides/slide11.xml><?xml version="1.0" encoding="utf-8"?>
+<file path=ppt/slides/slide12.xml><?xml version="1.0" encoding="utf-8"?>
 <p:sld xmlns:a="http://schemas.openxmlformats.org/drawingml/2006/main" xmlns:r="http://schemas.openxmlformats.org/officeDocument/2006/relationships" xmlns:p="http://schemas.openxmlformats.org/presentationml/2006/main">
   <p:cSld>
     <p:spTree>
@@ -16340,7 +16468,7 @@
             <a:fld id="{B5CEABB6-07DC-46E8-9B57-56EC44A396E5}" type="slidenum">
               <a:rPr lang="en-US" smtClean="0"/>
               <a:pPr/>
-              <a:t>11</a:t>
+              <a:t>12</a:t>
             </a:fld>
             <a:endParaRPr lang="en-US" dirty="0"/>
           </a:p>
@@ -16359,7 +16487,7 @@
 </p:sld>
 </file>
 
-<file path=ppt/slides/slide12.xml><?xml version="1.0" encoding="utf-8"?>
+<file path=ppt/slides/slide13.xml><?xml version="1.0" encoding="utf-8"?>
 <p:sld xmlns:a="http://schemas.openxmlformats.org/drawingml/2006/main" xmlns:r="http://schemas.openxmlformats.org/officeDocument/2006/relationships" xmlns:p="http://schemas.openxmlformats.org/presentationml/2006/main">
   <p:cSld>
     <p:spTree>
@@ -16479,7 +16607,7 @@
             <a:fld id="{B5CEABB6-07DC-46E8-9B57-56EC44A396E5}" type="slidenum">
               <a:rPr lang="en-US" smtClean="0"/>
               <a:pPr/>
-              <a:t>12</a:t>
+              <a:t>13</a:t>
             </a:fld>
             <a:endParaRPr lang="en-US" dirty="0"/>
           </a:p>
@@ -17252,7 +17380,7 @@
 </p:sld>
 </file>
 
-<file path=ppt/slides/slide13.xml><?xml version="1.0" encoding="utf-8"?>
+<file path=ppt/slides/slide14.xml><?xml version="1.0" encoding="utf-8"?>
 <p:sld xmlns:a="http://schemas.openxmlformats.org/drawingml/2006/main" xmlns:r="http://schemas.openxmlformats.org/officeDocument/2006/relationships" xmlns:p="http://schemas.openxmlformats.org/presentationml/2006/main">
   <p:cSld>
     <p:spTree>
@@ -17340,7 +17468,7 @@
             <a:fld id="{B5CEABB6-07DC-46E8-9B57-56EC44A396E5}" type="slidenum">
               <a:rPr lang="en-US" smtClean="0"/>
               <a:pPr/>
-              <a:t>13</a:t>
+              <a:t>14</a:t>
             </a:fld>
             <a:endParaRPr lang="en-US" dirty="0"/>
           </a:p>
@@ -19485,7 +19613,7 @@
 </p:sld>
 </file>
 
-<file path=ppt/slides/slide14.xml><?xml version="1.0" encoding="utf-8"?>
+<file path=ppt/slides/slide15.xml><?xml version="1.0" encoding="utf-8"?>
 <p:sld xmlns:a="http://schemas.openxmlformats.org/drawingml/2006/main" xmlns:r="http://schemas.openxmlformats.org/officeDocument/2006/relationships" xmlns:p="http://schemas.openxmlformats.org/presentationml/2006/main">
   <p:cSld>
     <p:spTree>
@@ -19572,7 +19700,7 @@
             <a:fld id="{B5CEABB6-07DC-46E8-9B57-56EC44A396E5}" type="slidenum">
               <a:rPr lang="en-US" smtClean="0"/>
               <a:pPr/>
-              <a:t>14</a:t>
+              <a:t>15</a:t>
             </a:fld>
             <a:endParaRPr lang="en-US" dirty="0"/>
           </a:p>
@@ -20060,7 +20188,7 @@
 </p:sld>
 </file>
 
-<file path=ppt/slides/slide15.xml><?xml version="1.0" encoding="utf-8"?>
+<file path=ppt/slides/slide16.xml><?xml version="1.0" encoding="utf-8"?>
 <p:sld xmlns:a="http://schemas.openxmlformats.org/drawingml/2006/main" xmlns:r="http://schemas.openxmlformats.org/officeDocument/2006/relationships" xmlns:p="http://schemas.openxmlformats.org/presentationml/2006/main">
   <p:cSld>
     <p:spTree>
@@ -20147,7 +20275,7 @@
             <a:fld id="{B5CEABB6-07DC-46E8-9B57-56EC44A396E5}" type="slidenum">
               <a:rPr lang="en-US" smtClean="0"/>
               <a:pPr/>
-              <a:t>15</a:t>
+              <a:t>16</a:t>
             </a:fld>
             <a:endParaRPr lang="en-US" dirty="0"/>
           </a:p>
@@ -20455,7 +20583,7 @@
 </p:sld>
 </file>
 
-<file path=ppt/slides/slide16.xml><?xml version="1.0" encoding="utf-8"?>
+<file path=ppt/slides/slide17.xml><?xml version="1.0" encoding="utf-8"?>
 <p:sld xmlns:a="http://schemas.openxmlformats.org/drawingml/2006/main" xmlns:r="http://schemas.openxmlformats.org/officeDocument/2006/relationships" xmlns:p="http://schemas.openxmlformats.org/presentationml/2006/main">
   <p:cSld>
     <p:spTree>
@@ -20543,7 +20671,7 @@
             <a:fld id="{B5CEABB6-07DC-46E8-9B57-56EC44A396E5}" type="slidenum">
               <a:rPr lang="en-US" smtClean="0"/>
               <a:pPr/>
-              <a:t>16</a:t>
+              <a:t>17</a:t>
             </a:fld>
             <a:endParaRPr lang="en-US" dirty="0"/>
           </a:p>
@@ -22596,7 +22724,7 @@
         <p:spPr>
           <a:xfrm>
             <a:off x="4307416" y="3856579"/>
-            <a:ext cx="6094520" cy="2031325"/>
+            <a:ext cx="6094520" cy="1815882"/>
           </a:xfrm>
           <a:prstGeom prst="rect">
             <a:avLst/>
@@ -22610,9 +22738,9 @@
           <a:lstStyle/>
           <a:p>
             <a:r>
-              <a:rPr lang="en-US" sz="1800" dirty="0">
+              <a:rPr lang="en-US" sz="1400" dirty="0">
                 <a:effectLst/>
-                <a:latin typeface="Calibri" panose="020F0502020204030204" pitchFamily="34" charset="0"/>
+                <a:latin typeface="+mj-lt"/>
                 <a:ea typeface="Calibri" panose="020F0502020204030204" pitchFamily="34" charset="0"/>
                 <a:cs typeface="Times New Roman" panose="02020603050405020304" pitchFamily="18" charset="0"/>
               </a:rPr>
@@ -22621,15 +22749,25 @@
           </a:p>
           <a:p>
             <a:r>
-              <a:rPr lang="en-US" sz="1800" dirty="0">
+              <a:rPr lang="en-US" sz="1400" dirty="0">
                 <a:effectLst/>
-                <a:latin typeface="Calibri" panose="020F0502020204030204" pitchFamily="34" charset="0"/>
+                <a:latin typeface="+mj-lt"/>
                 <a:ea typeface="Calibri" panose="020F0502020204030204" pitchFamily="34" charset="0"/>
                 <a:cs typeface="Times New Roman" panose="02020603050405020304" pitchFamily="18" charset="0"/>
               </a:rPr>
               <a:t>Support vectors are training points that lie on the boundary (MEB). The red points around the center of the MEB are test points belonging to the nominal class, while the red cluster on the top right represents the anomaly points in the test set.</a:t>
             </a:r>
-            <a:endParaRPr lang="en-US" dirty="0"/>
+          </a:p>
+          <a:p>
+            <a:endParaRPr lang="en-US" sz="1400" dirty="0">
+              <a:latin typeface="+mj-lt"/>
+              <a:cs typeface="Times New Roman" panose="02020603050405020304" pitchFamily="18" charset="0"/>
+            </a:endParaRPr>
+          </a:p>
+          <a:p>
+            <a:endParaRPr lang="en-US" sz="1400" dirty="0">
+              <a:latin typeface="+mj-lt"/>
+            </a:endParaRPr>
           </a:p>
         </p:txBody>
       </p:sp>
@@ -22646,7 +22784,7 @@
 </p:sld>
 </file>
 
-<file path=ppt/slides/slide17.xml><?xml version="1.0" encoding="utf-8"?>
+<file path=ppt/slides/slide18.xml><?xml version="1.0" encoding="utf-8"?>
 <p:sld xmlns:a="http://schemas.openxmlformats.org/drawingml/2006/main" xmlns:r="http://schemas.openxmlformats.org/officeDocument/2006/relationships" xmlns:p="http://schemas.openxmlformats.org/presentationml/2006/main">
   <p:cSld>
     <p:spTree>
@@ -22733,7 +22871,7 @@
             <a:fld id="{B5CEABB6-07DC-46E8-9B57-56EC44A396E5}" type="slidenum">
               <a:rPr lang="en-US" smtClean="0"/>
               <a:pPr/>
-              <a:t>17</a:t>
+              <a:t>18</a:t>
             </a:fld>
             <a:endParaRPr lang="en-US" dirty="0"/>
           </a:p>
@@ -23024,7 +23162,7 @@
 </p:sld>
 </file>
 
-<file path=ppt/slides/slide18.xml><?xml version="1.0" encoding="utf-8"?>
+<file path=ppt/slides/slide19.xml><?xml version="1.0" encoding="utf-8"?>
 <p:sld xmlns:a="http://schemas.openxmlformats.org/drawingml/2006/main" xmlns:r="http://schemas.openxmlformats.org/officeDocument/2006/relationships" xmlns:p="http://schemas.openxmlformats.org/presentationml/2006/main">
   <p:cSld>
     <p:spTree>
@@ -23111,7 +23249,7 @@
             <a:fld id="{B5CEABB6-07DC-46E8-9B57-56EC44A396E5}" type="slidenum">
               <a:rPr lang="en-US" smtClean="0"/>
               <a:pPr/>
-              <a:t>18</a:t>
+              <a:t>19</a:t>
             </a:fld>
             <a:endParaRPr lang="en-US" dirty="0"/>
           </a:p>
@@ -23419,7 +23557,208 @@
 </p:sld>
 </file>
 
-<file path=ppt/slides/slide19.xml><?xml version="1.0" encoding="utf-8"?>
+<file path=ppt/slides/slide2.xml><?xml version="1.0" encoding="utf-8"?>
+<p:sld xmlns:a="http://schemas.openxmlformats.org/drawingml/2006/main" xmlns:r="http://schemas.openxmlformats.org/officeDocument/2006/relationships" xmlns:p="http://schemas.openxmlformats.org/presentationml/2006/main">
+  <p:cSld>
+    <p:spTree>
+      <p:nvGrpSpPr>
+        <p:cNvPr id="1" name=""/>
+        <p:cNvGrpSpPr/>
+        <p:nvPr/>
+      </p:nvGrpSpPr>
+      <p:grpSpPr>
+        <a:xfrm>
+          <a:off x="0" y="0"/>
+          <a:ext cx="0" cy="0"/>
+          <a:chOff x="0" y="0"/>
+          <a:chExt cx="0" cy="0"/>
+        </a:xfrm>
+      </p:grpSpPr>
+      <p:sp>
+        <p:nvSpPr>
+          <p:cNvPr id="2" name="Title 1">
+            <a:extLst>
+              <a:ext uri="{FF2B5EF4-FFF2-40B4-BE49-F238E27FC236}">
+                <a16:creationId xmlns:a16="http://schemas.microsoft.com/office/drawing/2014/main" id="{6719F29B-F233-48AF-8261-F33A4E079E3E}"/>
+              </a:ext>
+              <a:ext uri="{C183D7F6-B498-43B3-948B-1728B52AA6E4}">
+                <adec:decorative xmlns:adec="http://schemas.microsoft.com/office/drawing/2017/decorative" val="0"/>
+              </a:ext>
+            </a:extLst>
+          </p:cNvPr>
+          <p:cNvSpPr>
+            <a:spLocks noGrp="1"/>
+          </p:cNvSpPr>
+          <p:nvPr>
+            <p:ph type="title"/>
+          </p:nvPr>
+        </p:nvSpPr>
+        <p:spPr>
+          <a:xfrm>
+            <a:off x="1333499" y="1438183"/>
+            <a:ext cx="3171825" cy="579352"/>
+          </a:xfrm>
+        </p:spPr>
+        <p:txBody>
+          <a:bodyPr>
+            <a:normAutofit/>
+          </a:bodyPr>
+          <a:lstStyle/>
+          <a:p>
+            <a:r>
+              <a:rPr lang="en-US" dirty="0"/>
+              <a:t>introduction</a:t>
+            </a:r>
+          </a:p>
+        </p:txBody>
+      </p:sp>
+      <p:sp>
+        <p:nvSpPr>
+          <p:cNvPr id="3" name="Subtitle 2">
+            <a:extLst>
+              <a:ext uri="{FF2B5EF4-FFF2-40B4-BE49-F238E27FC236}">
+                <a16:creationId xmlns:a16="http://schemas.microsoft.com/office/drawing/2014/main" id="{35E3EA69-4E0E-41BD-8095-A124225A2647}"/>
+              </a:ext>
+              <a:ext uri="{C183D7F6-B498-43B3-948B-1728B52AA6E4}">
+                <adec:decorative xmlns:adec="http://schemas.microsoft.com/office/drawing/2017/decorative" val="0"/>
+              </a:ext>
+            </a:extLst>
+          </p:cNvPr>
+          <p:cNvSpPr>
+            <a:spLocks noGrp="1"/>
+          </p:cNvSpPr>
+          <p:nvPr>
+            <p:ph idx="1"/>
+          </p:nvPr>
+        </p:nvSpPr>
+        <p:spPr>
+          <a:xfrm>
+            <a:off x="1333499" y="2232735"/>
+            <a:ext cx="3939837" cy="3187082"/>
+          </a:xfrm>
+        </p:spPr>
+        <p:txBody>
+          <a:bodyPr>
+            <a:normAutofit lnSpcReduction="10000"/>
+          </a:bodyPr>
+          <a:lstStyle/>
+          <a:p>
+            <a:pPr marL="0" marR="0" algn="just">
+              <a:lnSpc>
+                <a:spcPct val="107000"/>
+              </a:lnSpc>
+              <a:spcBef>
+                <a:spcPts val="0"/>
+              </a:spcBef>
+              <a:spcAft>
+                <a:spcPts val="800"/>
+              </a:spcAft>
+            </a:pPr>
+            <a:r>
+              <a:rPr lang="en-US" sz="1200" dirty="0">
+                <a:effectLst/>
+                <a:latin typeface="+mj-lt"/>
+                <a:ea typeface="Calibri" panose="020F0502020204030204" pitchFamily="34" charset="0"/>
+                <a:cs typeface="Times New Roman" panose="02020603050405020304" pitchFamily="18" charset="0"/>
+              </a:rPr>
+              <a:t>Minimum enclosing balls (MEBs) provide a very versatile data representation for a wide range of learning and analysis tasks. Use cases include accelerated training of support vector machines or other classifiers, analysis of data streams, and the use case that is the topic of our project - anomaly detection. </a:t>
+            </a:r>
+          </a:p>
+          <a:p>
+            <a:pPr marL="0" marR="0" algn="just">
+              <a:lnSpc>
+                <a:spcPct val="107000"/>
+              </a:lnSpc>
+              <a:spcBef>
+                <a:spcPts val="0"/>
+              </a:spcBef>
+              <a:spcAft>
+                <a:spcPts val="800"/>
+              </a:spcAft>
+            </a:pPr>
+            <a:r>
+              <a:rPr lang="en-US" sz="1200" dirty="0">
+                <a:effectLst/>
+                <a:latin typeface="+mj-lt"/>
+                <a:ea typeface="Calibri" panose="020F0502020204030204" pitchFamily="34" charset="0"/>
+                <a:cs typeface="Times New Roman" panose="02020603050405020304" pitchFamily="18" charset="0"/>
+              </a:rPr>
+              <a:t>While there exists a whole spectrum of algorithms for estimating the MEB of a given data set, a particularly general approach is to formalize the problem in terms of constrained quadratic optimization and we, too, will adhere to this strategy. </a:t>
+            </a:r>
+          </a:p>
+          <a:p>
+            <a:pPr marL="0" marR="0" algn="just">
+              <a:lnSpc>
+                <a:spcPct val="107000"/>
+              </a:lnSpc>
+              <a:spcBef>
+                <a:spcPts val="0"/>
+              </a:spcBef>
+              <a:spcAft>
+                <a:spcPts val="800"/>
+              </a:spcAft>
+            </a:pPr>
+            <a:r>
+              <a:rPr lang="en-US" sz="1200" dirty="0">
+                <a:effectLst/>
+                <a:latin typeface="+mj-lt"/>
+                <a:ea typeface="Calibri" panose="020F0502020204030204" pitchFamily="34" charset="0"/>
+                <a:cs typeface="Times New Roman" panose="02020603050405020304" pitchFamily="18" charset="0"/>
+              </a:rPr>
+              <a:t>We will adapt three algorithms with the goal of solving MEB problem and we will test them on artificial and real-world datasets for detecting anomalies. Finally, we will compare our results.</a:t>
+            </a:r>
+          </a:p>
+        </p:txBody>
+      </p:sp>
+      <p:sp>
+        <p:nvSpPr>
+          <p:cNvPr id="4" name="Slide Number Placeholder 3">
+            <a:extLst>
+              <a:ext uri="{FF2B5EF4-FFF2-40B4-BE49-F238E27FC236}">
+                <a16:creationId xmlns:a16="http://schemas.microsoft.com/office/drawing/2014/main" id="{328F602C-7F98-4C02-99D4-ED65E00D66A4}"/>
+              </a:ext>
+            </a:extLst>
+          </p:cNvPr>
+          <p:cNvSpPr>
+            <a:spLocks noGrp="1"/>
+          </p:cNvSpPr>
+          <p:nvPr>
+            <p:ph type="sldNum" sz="quarter" idx="12"/>
+          </p:nvPr>
+        </p:nvSpPr>
+        <p:spPr>
+          <a:xfrm>
+            <a:off x="5536305" y="6356350"/>
+            <a:ext cx="987552" cy="365125"/>
+          </a:xfrm>
+        </p:spPr>
+        <p:txBody>
+          <a:bodyPr/>
+          <a:lstStyle/>
+          <a:p>
+            <a:fld id="{19B51A1E-902D-48AF-9020-955120F399B6}" type="slidenum">
+              <a:rPr lang="en-US" smtClean="0"/>
+              <a:pPr/>
+              <a:t>2</a:t>
+            </a:fld>
+            <a:endParaRPr lang="en-US" dirty="0"/>
+          </a:p>
+        </p:txBody>
+      </p:sp>
+    </p:spTree>
+    <p:extLst>
+      <p:ext uri="{BB962C8B-B14F-4D97-AF65-F5344CB8AC3E}">
+        <p14:creationId xmlns:p14="http://schemas.microsoft.com/office/powerpoint/2010/main" val="2243494996"/>
+      </p:ext>
+    </p:extLst>
+  </p:cSld>
+  <p:clrMapOvr>
+    <a:masterClrMapping/>
+  </p:clrMapOvr>
+</p:sld>
+</file>
+
+<file path=ppt/slides/slide20.xml><?xml version="1.0" encoding="utf-8"?>
 <p:sld xmlns:a="http://schemas.openxmlformats.org/drawingml/2006/main" xmlns:r="http://schemas.openxmlformats.org/officeDocument/2006/relationships" xmlns:p="http://schemas.openxmlformats.org/presentationml/2006/main">
   <p:cSld>
     <p:spTree>
@@ -23507,7 +23846,7 @@
             <a:fld id="{B5CEABB6-07DC-46E8-9B57-56EC44A396E5}" type="slidenum">
               <a:rPr lang="en-US" smtClean="0"/>
               <a:pPr/>
-              <a:t>19</a:t>
+              <a:t>20</a:t>
             </a:fld>
             <a:endParaRPr lang="en-US" dirty="0"/>
           </a:p>
@@ -30294,208 +30633,7 @@
 </p:sld>
 </file>
 
-<file path=ppt/slides/slide2.xml><?xml version="1.0" encoding="utf-8"?>
-<p:sld xmlns:a="http://schemas.openxmlformats.org/drawingml/2006/main" xmlns:r="http://schemas.openxmlformats.org/officeDocument/2006/relationships" xmlns:p="http://schemas.openxmlformats.org/presentationml/2006/main">
-  <p:cSld>
-    <p:spTree>
-      <p:nvGrpSpPr>
-        <p:cNvPr id="1" name=""/>
-        <p:cNvGrpSpPr/>
-        <p:nvPr/>
-      </p:nvGrpSpPr>
-      <p:grpSpPr>
-        <a:xfrm>
-          <a:off x="0" y="0"/>
-          <a:ext cx="0" cy="0"/>
-          <a:chOff x="0" y="0"/>
-          <a:chExt cx="0" cy="0"/>
-        </a:xfrm>
-      </p:grpSpPr>
-      <p:sp>
-        <p:nvSpPr>
-          <p:cNvPr id="2" name="Title 1">
-            <a:extLst>
-              <a:ext uri="{FF2B5EF4-FFF2-40B4-BE49-F238E27FC236}">
-                <a16:creationId xmlns:a16="http://schemas.microsoft.com/office/drawing/2014/main" id="{6719F29B-F233-48AF-8261-F33A4E079E3E}"/>
-              </a:ext>
-              <a:ext uri="{C183D7F6-B498-43B3-948B-1728B52AA6E4}">
-                <adec:decorative xmlns:adec="http://schemas.microsoft.com/office/drawing/2017/decorative" val="0"/>
-              </a:ext>
-            </a:extLst>
-          </p:cNvPr>
-          <p:cNvSpPr>
-            <a:spLocks noGrp="1"/>
-          </p:cNvSpPr>
-          <p:nvPr>
-            <p:ph type="title"/>
-          </p:nvPr>
-        </p:nvSpPr>
-        <p:spPr>
-          <a:xfrm>
-            <a:off x="1333499" y="1438183"/>
-            <a:ext cx="3171825" cy="579352"/>
-          </a:xfrm>
-        </p:spPr>
-        <p:txBody>
-          <a:bodyPr>
-            <a:normAutofit/>
-          </a:bodyPr>
-          <a:lstStyle/>
-          <a:p>
-            <a:r>
-              <a:rPr lang="en-US" dirty="0"/>
-              <a:t>introduction</a:t>
-            </a:r>
-          </a:p>
-        </p:txBody>
-      </p:sp>
-      <p:sp>
-        <p:nvSpPr>
-          <p:cNvPr id="3" name="Subtitle 2">
-            <a:extLst>
-              <a:ext uri="{FF2B5EF4-FFF2-40B4-BE49-F238E27FC236}">
-                <a16:creationId xmlns:a16="http://schemas.microsoft.com/office/drawing/2014/main" id="{35E3EA69-4E0E-41BD-8095-A124225A2647}"/>
-              </a:ext>
-              <a:ext uri="{C183D7F6-B498-43B3-948B-1728B52AA6E4}">
-                <adec:decorative xmlns:adec="http://schemas.microsoft.com/office/drawing/2017/decorative" val="0"/>
-              </a:ext>
-            </a:extLst>
-          </p:cNvPr>
-          <p:cNvSpPr>
-            <a:spLocks noGrp="1"/>
-          </p:cNvSpPr>
-          <p:nvPr>
-            <p:ph idx="1"/>
-          </p:nvPr>
-        </p:nvSpPr>
-        <p:spPr>
-          <a:xfrm>
-            <a:off x="1333499" y="2232735"/>
-            <a:ext cx="3939837" cy="3187082"/>
-          </a:xfrm>
-        </p:spPr>
-        <p:txBody>
-          <a:bodyPr>
-            <a:normAutofit lnSpcReduction="10000"/>
-          </a:bodyPr>
-          <a:lstStyle/>
-          <a:p>
-            <a:pPr marL="0" marR="0" algn="just">
-              <a:lnSpc>
-                <a:spcPct val="107000"/>
-              </a:lnSpc>
-              <a:spcBef>
-                <a:spcPts val="0"/>
-              </a:spcBef>
-              <a:spcAft>
-                <a:spcPts val="800"/>
-              </a:spcAft>
-            </a:pPr>
-            <a:r>
-              <a:rPr lang="en-US" sz="1200" dirty="0">
-                <a:effectLst/>
-                <a:latin typeface="+mj-lt"/>
-                <a:ea typeface="Calibri" panose="020F0502020204030204" pitchFamily="34" charset="0"/>
-                <a:cs typeface="Times New Roman" panose="02020603050405020304" pitchFamily="18" charset="0"/>
-              </a:rPr>
-              <a:t>Minimum enclosing balls (MEBs) provide a very versatile data representation for a wide range of learning and analysis tasks. Use cases include accelerated training of support vector machines or other classifiers, analysis of data streams, and the use case that is the topic of our project - anomaly detection. </a:t>
-            </a:r>
-          </a:p>
-          <a:p>
-            <a:pPr marL="0" marR="0" algn="just">
-              <a:lnSpc>
-                <a:spcPct val="107000"/>
-              </a:lnSpc>
-              <a:spcBef>
-                <a:spcPts val="0"/>
-              </a:spcBef>
-              <a:spcAft>
-                <a:spcPts val="800"/>
-              </a:spcAft>
-            </a:pPr>
-            <a:r>
-              <a:rPr lang="en-US" sz="1200" dirty="0">
-                <a:effectLst/>
-                <a:latin typeface="+mj-lt"/>
-                <a:ea typeface="Calibri" panose="020F0502020204030204" pitchFamily="34" charset="0"/>
-                <a:cs typeface="Times New Roman" panose="02020603050405020304" pitchFamily="18" charset="0"/>
-              </a:rPr>
-              <a:t>While there exists a whole spectrum of algorithms for estimating the MEB of a given data set, a particularly general approach is to formalize the problem in terms of constrained quadratic optimization and we, too, will adhere to this strategy. </a:t>
-            </a:r>
-          </a:p>
-          <a:p>
-            <a:pPr marL="0" marR="0" algn="just">
-              <a:lnSpc>
-                <a:spcPct val="107000"/>
-              </a:lnSpc>
-              <a:spcBef>
-                <a:spcPts val="0"/>
-              </a:spcBef>
-              <a:spcAft>
-                <a:spcPts val="800"/>
-              </a:spcAft>
-            </a:pPr>
-            <a:r>
-              <a:rPr lang="en-US" sz="1200" dirty="0">
-                <a:effectLst/>
-                <a:latin typeface="+mj-lt"/>
-                <a:ea typeface="Calibri" panose="020F0502020204030204" pitchFamily="34" charset="0"/>
-                <a:cs typeface="Times New Roman" panose="02020603050405020304" pitchFamily="18" charset="0"/>
-              </a:rPr>
-              <a:t>We will adapt three algorithms with the goal of solving MEB problem and we will test them on artificial and real-world datasets for detecting anomalies. Finally, we will compare our results.</a:t>
-            </a:r>
-          </a:p>
-        </p:txBody>
-      </p:sp>
-      <p:sp>
-        <p:nvSpPr>
-          <p:cNvPr id="4" name="Slide Number Placeholder 3">
-            <a:extLst>
-              <a:ext uri="{FF2B5EF4-FFF2-40B4-BE49-F238E27FC236}">
-                <a16:creationId xmlns:a16="http://schemas.microsoft.com/office/drawing/2014/main" id="{328F602C-7F98-4C02-99D4-ED65E00D66A4}"/>
-              </a:ext>
-            </a:extLst>
-          </p:cNvPr>
-          <p:cNvSpPr>
-            <a:spLocks noGrp="1"/>
-          </p:cNvSpPr>
-          <p:nvPr>
-            <p:ph type="sldNum" sz="quarter" idx="12"/>
-          </p:nvPr>
-        </p:nvSpPr>
-        <p:spPr>
-          <a:xfrm>
-            <a:off x="5536305" y="6356350"/>
-            <a:ext cx="987552" cy="365125"/>
-          </a:xfrm>
-        </p:spPr>
-        <p:txBody>
-          <a:bodyPr/>
-          <a:lstStyle/>
-          <a:p>
-            <a:fld id="{19B51A1E-902D-48AF-9020-955120F399B6}" type="slidenum">
-              <a:rPr lang="en-US" smtClean="0"/>
-              <a:pPr/>
-              <a:t>2</a:t>
-            </a:fld>
-            <a:endParaRPr lang="en-US" dirty="0"/>
-          </a:p>
-        </p:txBody>
-      </p:sp>
-    </p:spTree>
-    <p:extLst>
-      <p:ext uri="{BB962C8B-B14F-4D97-AF65-F5344CB8AC3E}">
-        <p14:creationId xmlns:p14="http://schemas.microsoft.com/office/powerpoint/2010/main" val="2243494996"/>
-      </p:ext>
-    </p:extLst>
-  </p:cSld>
-  <p:clrMapOvr>
-    <a:masterClrMapping/>
-  </p:clrMapOvr>
-</p:sld>
-</file>
-
-<file path=ppt/slides/slide20.xml><?xml version="1.0" encoding="utf-8"?>
+<file path=ppt/slides/slide21.xml><?xml version="1.0" encoding="utf-8"?>
 <p:sld xmlns:a="http://schemas.openxmlformats.org/drawingml/2006/main" xmlns:r="http://schemas.openxmlformats.org/officeDocument/2006/relationships" xmlns:p="http://schemas.openxmlformats.org/presentationml/2006/main">
   <p:cSld>
     <p:spTree>
@@ -30582,7 +30720,7 @@
             <a:fld id="{B5CEABB6-07DC-46E8-9B57-56EC44A396E5}" type="slidenum">
               <a:rPr lang="en-US" smtClean="0"/>
               <a:pPr/>
-              <a:t>20</a:t>
+              <a:t>21</a:t>
             </a:fld>
             <a:endParaRPr lang="en-US" dirty="0"/>
           </a:p>
@@ -31070,7 +31208,7 @@
 </p:sld>
 </file>
 
-<file path=ppt/slides/slide21.xml><?xml version="1.0" encoding="utf-8"?>
+<file path=ppt/slides/slide22.xml><?xml version="1.0" encoding="utf-8"?>
 <p:sld xmlns:a="http://schemas.openxmlformats.org/drawingml/2006/main" xmlns:r="http://schemas.openxmlformats.org/officeDocument/2006/relationships" xmlns:p="http://schemas.openxmlformats.org/presentationml/2006/main">
   <p:cSld>
     <p:spTree>
@@ -31157,7 +31295,7 @@
             <a:fld id="{B5CEABB6-07DC-46E8-9B57-56EC44A396E5}" type="slidenum">
               <a:rPr lang="en-US" smtClean="0"/>
               <a:pPr/>
-              <a:t>21</a:t>
+              <a:t>22</a:t>
             </a:fld>
             <a:endParaRPr lang="en-US" dirty="0"/>
           </a:p>
@@ -31465,7 +31603,7 @@
 </p:sld>
 </file>
 
-<file path=ppt/slides/slide22.xml><?xml version="1.0" encoding="utf-8"?>
+<file path=ppt/slides/slide23.xml><?xml version="1.0" encoding="utf-8"?>
 <p:sld xmlns:a="http://schemas.openxmlformats.org/drawingml/2006/main" xmlns:r="http://schemas.openxmlformats.org/officeDocument/2006/relationships" xmlns:p="http://schemas.openxmlformats.org/presentationml/2006/main">
   <p:cSld>
     <p:spTree>
@@ -31553,7 +31691,7 @@
             <a:fld id="{B5CEABB6-07DC-46E8-9B57-56EC44A396E5}" type="slidenum">
               <a:rPr lang="en-US" smtClean="0"/>
               <a:pPr/>
-              <a:t>22</a:t>
+              <a:t>23</a:t>
             </a:fld>
             <a:endParaRPr lang="en-US" dirty="0"/>
           </a:p>
@@ -38340,7 +38478,7 @@
 </p:sld>
 </file>
 
-<file path=ppt/slides/slide23.xml><?xml version="1.0" encoding="utf-8"?>
+<file path=ppt/slides/slide24.xml><?xml version="1.0" encoding="utf-8"?>
 <p:sld xmlns:a="http://schemas.openxmlformats.org/drawingml/2006/main" xmlns:r="http://schemas.openxmlformats.org/officeDocument/2006/relationships" xmlns:p="http://schemas.openxmlformats.org/presentationml/2006/main">
   <p:cSld>
     <p:spTree>
@@ -38427,7 +38565,7 @@
             <a:fld id="{B5CEABB6-07DC-46E8-9B57-56EC44A396E5}" type="slidenum">
               <a:rPr lang="en-US" smtClean="0"/>
               <a:pPr/>
-              <a:t>23</a:t>
+              <a:t>24</a:t>
             </a:fld>
             <a:endParaRPr lang="en-US" dirty="0"/>
           </a:p>
@@ -38915,315 +39053,6 @@
 </p:sld>
 </file>
 
-<file path=ppt/slides/slide24.xml><?xml version="1.0" encoding="utf-8"?>
-<p:sld xmlns:a="http://schemas.openxmlformats.org/drawingml/2006/main" xmlns:r="http://schemas.openxmlformats.org/officeDocument/2006/relationships" xmlns:p="http://schemas.openxmlformats.org/presentationml/2006/main">
-  <p:cSld>
-    <p:spTree>
-      <p:nvGrpSpPr>
-        <p:cNvPr id="1" name=""/>
-        <p:cNvGrpSpPr/>
-        <p:nvPr/>
-      </p:nvGrpSpPr>
-      <p:grpSpPr>
-        <a:xfrm>
-          <a:off x="0" y="0"/>
-          <a:ext cx="0" cy="0"/>
-          <a:chOff x="0" y="0"/>
-          <a:chExt cx="0" cy="0"/>
-        </a:xfrm>
-      </p:grpSpPr>
-      <p:sp>
-        <p:nvSpPr>
-          <p:cNvPr id="2" name="Title 1">
-            <a:extLst>
-              <a:ext uri="{FF2B5EF4-FFF2-40B4-BE49-F238E27FC236}">
-                <a16:creationId xmlns:a16="http://schemas.microsoft.com/office/drawing/2014/main" id="{39605AF1-623C-4E09-AB5D-8DD0571489F6}"/>
-              </a:ext>
-            </a:extLst>
-          </p:cNvPr>
-          <p:cNvSpPr>
-            <a:spLocks noGrp="1"/>
-          </p:cNvSpPr>
-          <p:nvPr>
-            <p:ph type="title"/>
-          </p:nvPr>
-        </p:nvSpPr>
-        <p:spPr>
-          <a:xfrm>
-            <a:off x="5920169" y="1152771"/>
-            <a:ext cx="5431971" cy="846301"/>
-          </a:xfrm>
-        </p:spPr>
-        <p:txBody>
-          <a:bodyPr/>
-          <a:lstStyle/>
-          <a:p>
-            <a:r>
-              <a:rPr lang="en-US" dirty="0"/>
-              <a:t>Growth strategy</a:t>
-            </a:r>
-          </a:p>
-        </p:txBody>
-      </p:sp>
-      <p:sp>
-        <p:nvSpPr>
-          <p:cNvPr id="3" name="Content Placeholder 2">
-            <a:extLst>
-              <a:ext uri="{FF2B5EF4-FFF2-40B4-BE49-F238E27FC236}">
-                <a16:creationId xmlns:a16="http://schemas.microsoft.com/office/drawing/2014/main" id="{9B1DDDEF-20C4-4F65-BAC9-0A763DF7E02B}"/>
-              </a:ext>
-            </a:extLst>
-          </p:cNvPr>
-          <p:cNvSpPr>
-            <a:spLocks noGrp="1"/>
-          </p:cNvSpPr>
-          <p:nvPr>
-            <p:ph type="body" sz="quarter" idx="13"/>
-          </p:nvPr>
-        </p:nvSpPr>
-        <p:spPr>
-          <a:xfrm>
-            <a:off x="5922254" y="2469515"/>
-            <a:ext cx="5433204" cy="365125"/>
-          </a:xfrm>
-        </p:spPr>
-        <p:txBody>
-          <a:bodyPr vert="horz" lIns="91440" tIns="45720" rIns="91440" bIns="45720" rtlCol="0" anchor="t">
-            <a:normAutofit lnSpcReduction="10000"/>
-          </a:bodyPr>
-          <a:lstStyle/>
-          <a:p>
-            <a:r>
-              <a:rPr lang="en-US" dirty="0"/>
-              <a:t>Feb 20XX</a:t>
-            </a:r>
-          </a:p>
-        </p:txBody>
-      </p:sp>
-      <p:sp>
-        <p:nvSpPr>
-          <p:cNvPr id="17" name="Text Placeholder 16">
-            <a:extLst>
-              <a:ext uri="{FF2B5EF4-FFF2-40B4-BE49-F238E27FC236}">
-                <a16:creationId xmlns:a16="http://schemas.microsoft.com/office/drawing/2014/main" id="{24158E79-DA49-4521-BEC6-A7BA93C41F4C}"/>
-              </a:ext>
-            </a:extLst>
-          </p:cNvPr>
-          <p:cNvSpPr>
-            <a:spLocks noGrp="1"/>
-          </p:cNvSpPr>
-          <p:nvPr>
-            <p:ph type="body" sz="quarter" idx="15"/>
-          </p:nvPr>
-        </p:nvSpPr>
-        <p:spPr>
-          <a:xfrm>
-            <a:off x="5921828" y="2798940"/>
-            <a:ext cx="5431971" cy="557950"/>
-          </a:xfrm>
-        </p:spPr>
-        <p:txBody>
-          <a:bodyPr>
-            <a:normAutofit/>
-          </a:bodyPr>
-          <a:lstStyle/>
-          <a:p>
-            <a:r>
-              <a:rPr lang="en-US" dirty="0"/>
-              <a:t>Roll out product to high profile or top-level participants to help establish the product</a:t>
-            </a:r>
-          </a:p>
-        </p:txBody>
-      </p:sp>
-      <p:sp>
-        <p:nvSpPr>
-          <p:cNvPr id="24" name="Text Placeholder 23">
-            <a:extLst>
-              <a:ext uri="{FF2B5EF4-FFF2-40B4-BE49-F238E27FC236}">
-                <a16:creationId xmlns:a16="http://schemas.microsoft.com/office/drawing/2014/main" id="{319E41BC-4F05-4804-843A-E1846794FBF9}"/>
-              </a:ext>
-            </a:extLst>
-          </p:cNvPr>
-          <p:cNvSpPr>
-            <a:spLocks noGrp="1"/>
-          </p:cNvSpPr>
-          <p:nvPr>
-            <p:ph type="body" sz="quarter" idx="23"/>
-          </p:nvPr>
-        </p:nvSpPr>
-        <p:spPr>
-          <a:xfrm>
-            <a:off x="5922254" y="3569311"/>
-            <a:ext cx="5433204" cy="365125"/>
-          </a:xfrm>
-        </p:spPr>
-        <p:txBody>
-          <a:bodyPr>
-            <a:normAutofit lnSpcReduction="10000"/>
-          </a:bodyPr>
-          <a:lstStyle/>
-          <a:p>
-            <a:r>
-              <a:rPr lang="en-US" dirty="0"/>
-              <a:t>Mar 20XX</a:t>
-            </a:r>
-          </a:p>
-        </p:txBody>
-      </p:sp>
-      <p:sp>
-        <p:nvSpPr>
-          <p:cNvPr id="25" name="Text Placeholder 24">
-            <a:extLst>
-              <a:ext uri="{FF2B5EF4-FFF2-40B4-BE49-F238E27FC236}">
-                <a16:creationId xmlns:a16="http://schemas.microsoft.com/office/drawing/2014/main" id="{23BDF8B9-53DF-46F4-98D4-053D78D610B0}"/>
-              </a:ext>
-            </a:extLst>
-          </p:cNvPr>
-          <p:cNvSpPr>
-            <a:spLocks noGrp="1"/>
-          </p:cNvSpPr>
-          <p:nvPr>
-            <p:ph type="body" sz="quarter" idx="24"/>
-          </p:nvPr>
-        </p:nvSpPr>
-        <p:spPr>
-          <a:xfrm>
-            <a:off x="5921828" y="3898736"/>
-            <a:ext cx="5431971" cy="557950"/>
-          </a:xfrm>
-        </p:spPr>
-        <p:txBody>
-          <a:bodyPr/>
-          <a:lstStyle/>
-          <a:p>
-            <a:r>
-              <a:rPr lang="en-US" dirty="0"/>
-              <a:t>Release the product to the general public and monitor press release and social media accounts</a:t>
-            </a:r>
-          </a:p>
-        </p:txBody>
-      </p:sp>
-      <p:sp>
-        <p:nvSpPr>
-          <p:cNvPr id="26" name="Text Placeholder 25">
-            <a:extLst>
-              <a:ext uri="{FF2B5EF4-FFF2-40B4-BE49-F238E27FC236}">
-                <a16:creationId xmlns:a16="http://schemas.microsoft.com/office/drawing/2014/main" id="{0FD0A14C-4421-4979-AF8C-F7E649A88162}"/>
-              </a:ext>
-            </a:extLst>
-          </p:cNvPr>
-          <p:cNvSpPr>
-            <a:spLocks noGrp="1"/>
-          </p:cNvSpPr>
-          <p:nvPr>
-            <p:ph type="body" sz="quarter" idx="25"/>
-          </p:nvPr>
-        </p:nvSpPr>
-        <p:spPr>
-          <a:xfrm>
-            <a:off x="5922254" y="4669107"/>
-            <a:ext cx="5433204" cy="365125"/>
-          </a:xfrm>
-        </p:spPr>
-        <p:txBody>
-          <a:bodyPr>
-            <a:normAutofit lnSpcReduction="10000"/>
-          </a:bodyPr>
-          <a:lstStyle/>
-          <a:p>
-            <a:r>
-              <a:rPr lang="en-US" dirty="0"/>
-              <a:t>Oct 20XX</a:t>
-            </a:r>
-          </a:p>
-        </p:txBody>
-      </p:sp>
-      <p:sp>
-        <p:nvSpPr>
-          <p:cNvPr id="27" name="Text Placeholder 26">
-            <a:extLst>
-              <a:ext uri="{FF2B5EF4-FFF2-40B4-BE49-F238E27FC236}">
-                <a16:creationId xmlns:a16="http://schemas.microsoft.com/office/drawing/2014/main" id="{9C0DB469-503B-40AF-84D1-C69B085AA96F}"/>
-              </a:ext>
-            </a:extLst>
-          </p:cNvPr>
-          <p:cNvSpPr>
-            <a:spLocks noGrp="1"/>
-          </p:cNvSpPr>
-          <p:nvPr>
-            <p:ph type="body" sz="quarter" idx="26"/>
-          </p:nvPr>
-        </p:nvSpPr>
-        <p:spPr>
-          <a:xfrm>
-            <a:off x="5921828" y="4998532"/>
-            <a:ext cx="5431971" cy="557950"/>
-          </a:xfrm>
-        </p:spPr>
-        <p:txBody>
-          <a:bodyPr>
-            <a:normAutofit/>
-          </a:bodyPr>
-          <a:lstStyle/>
-          <a:p>
-            <a:r>
-              <a:rPr lang="en-US" dirty="0"/>
-              <a:t>Gather feedback and adjust product design as necessary</a:t>
-            </a:r>
-          </a:p>
-          <a:p>
-            <a:endParaRPr lang="en-US" dirty="0"/>
-          </a:p>
-        </p:txBody>
-      </p:sp>
-      <p:sp>
-        <p:nvSpPr>
-          <p:cNvPr id="6" name="Slide Number Placeholder 5">
-            <a:extLst>
-              <a:ext uri="{FF2B5EF4-FFF2-40B4-BE49-F238E27FC236}">
-                <a16:creationId xmlns:a16="http://schemas.microsoft.com/office/drawing/2014/main" id="{BA32F697-D1D4-4B0A-B960-D1869BF8607A}"/>
-              </a:ext>
-            </a:extLst>
-          </p:cNvPr>
-          <p:cNvSpPr>
-            <a:spLocks noGrp="1"/>
-          </p:cNvSpPr>
-          <p:nvPr>
-            <p:ph type="sldNum" sz="quarter" idx="12"/>
-          </p:nvPr>
-        </p:nvSpPr>
-        <p:spPr>
-          <a:xfrm>
-            <a:off x="8610600" y="6356350"/>
-            <a:ext cx="2743200" cy="365125"/>
-          </a:xfrm>
-        </p:spPr>
-        <p:txBody>
-          <a:bodyPr/>
-          <a:lstStyle/>
-          <a:p>
-            <a:fld id="{B5CEABB6-07DC-46E8-9B57-56EC44A396E5}" type="slidenum">
-              <a:rPr lang="en-US" smtClean="0"/>
-              <a:pPr/>
-              <a:t>24</a:t>
-            </a:fld>
-            <a:endParaRPr lang="en-US" dirty="0"/>
-          </a:p>
-        </p:txBody>
-      </p:sp>
-    </p:spTree>
-    <p:extLst>
-      <p:ext uri="{BB962C8B-B14F-4D97-AF65-F5344CB8AC3E}">
-        <p14:creationId xmlns:p14="http://schemas.microsoft.com/office/powerpoint/2010/main" val="1472106130"/>
-      </p:ext>
-    </p:extLst>
-  </p:cSld>
-  <p:clrMapOvr>
-    <a:masterClrMapping/>
-  </p:clrMapOvr>
-</p:sld>
-</file>
-
 <file path=ppt/slides/slide25.xml><?xml version="1.0" encoding="utf-8"?>
 <p:sld xmlns:a="http://schemas.openxmlformats.org/drawingml/2006/main" xmlns:r="http://schemas.openxmlformats.org/officeDocument/2006/relationships" xmlns:p="http://schemas.openxmlformats.org/presentationml/2006/main">
   <p:cSld>
@@ -39561,280 +39390,6 @@
       </p:sp>
       <p:sp>
         <p:nvSpPr>
-          <p:cNvPr id="3" name="Content Placeholder 2">
-            <a:extLst>
-              <a:ext uri="{FF2B5EF4-FFF2-40B4-BE49-F238E27FC236}">
-                <a16:creationId xmlns:a16="http://schemas.microsoft.com/office/drawing/2014/main" id="{D4A2EB3F-4D60-451F-8F45-7D6654D2FCD9}"/>
-              </a:ext>
-            </a:extLst>
-          </p:cNvPr>
-          <p:cNvSpPr>
-            <a:spLocks noGrp="1"/>
-          </p:cNvSpPr>
-          <p:nvPr>
-            <p:ph type="body" sz="quarter" idx="13"/>
-          </p:nvPr>
-        </p:nvSpPr>
-        <p:spPr>
-          <a:xfrm>
-            <a:off x="5922254" y="1530635"/>
-            <a:ext cx="5433204" cy="365125"/>
-          </a:xfrm>
-        </p:spPr>
-        <p:txBody>
-          <a:bodyPr vert="horz" lIns="91440" tIns="45720" rIns="91440" bIns="45720" rtlCol="0" anchor="t">
-            <a:normAutofit lnSpcReduction="10000"/>
-          </a:bodyPr>
-          <a:lstStyle/>
-          <a:p>
-            <a:r>
-              <a:rPr lang="en-US" dirty="0"/>
-              <a:t>UNIQUE</a:t>
-            </a:r>
-          </a:p>
-        </p:txBody>
-      </p:sp>
-      <p:sp>
-        <p:nvSpPr>
-          <p:cNvPr id="4" name="Text Placeholder 3">
-            <a:extLst>
-              <a:ext uri="{FF2B5EF4-FFF2-40B4-BE49-F238E27FC236}">
-                <a16:creationId xmlns:a16="http://schemas.microsoft.com/office/drawing/2014/main" id="{AC1C80FB-53F9-42EE-B1E6-D0F998EC5DFA}"/>
-              </a:ext>
-            </a:extLst>
-          </p:cNvPr>
-          <p:cNvSpPr>
-            <a:spLocks noGrp="1"/>
-          </p:cNvSpPr>
-          <p:nvPr>
-            <p:ph type="body" sz="quarter" idx="15"/>
-          </p:nvPr>
-        </p:nvSpPr>
-        <p:spPr>
-          <a:xfrm>
-            <a:off x="5921828" y="1860060"/>
-            <a:ext cx="5431971" cy="557950"/>
-          </a:xfrm>
-        </p:spPr>
-        <p:txBody>
-          <a:bodyPr>
-            <a:normAutofit/>
-          </a:bodyPr>
-          <a:lstStyle/>
-          <a:p>
-            <a:r>
-              <a:rPr lang="en-US" dirty="0"/>
-              <a:t>Only product specifically dedicated to this niche market</a:t>
-            </a:r>
-          </a:p>
-        </p:txBody>
-      </p:sp>
-      <p:sp>
-        <p:nvSpPr>
-          <p:cNvPr id="5" name="Text Placeholder 4">
-            <a:extLst>
-              <a:ext uri="{FF2B5EF4-FFF2-40B4-BE49-F238E27FC236}">
-                <a16:creationId xmlns:a16="http://schemas.microsoft.com/office/drawing/2014/main" id="{E81BA2B5-6A90-4204-ABDD-7183FBB03A02}"/>
-              </a:ext>
-            </a:extLst>
-          </p:cNvPr>
-          <p:cNvSpPr>
-            <a:spLocks noGrp="1"/>
-          </p:cNvSpPr>
-          <p:nvPr>
-            <p:ph type="body" sz="quarter" idx="23"/>
-          </p:nvPr>
-        </p:nvSpPr>
-        <p:spPr>
-          <a:xfrm>
-            <a:off x="5922254" y="2630431"/>
-            <a:ext cx="5433204" cy="365125"/>
-          </a:xfrm>
-        </p:spPr>
-        <p:txBody>
-          <a:bodyPr>
-            <a:normAutofit lnSpcReduction="10000"/>
-          </a:bodyPr>
-          <a:lstStyle/>
-          <a:p>
-            <a:r>
-              <a:rPr lang="en-US" dirty="0"/>
-              <a:t>FIRST TO MARKET</a:t>
-            </a:r>
-          </a:p>
-        </p:txBody>
-      </p:sp>
-      <p:sp>
-        <p:nvSpPr>
-          <p:cNvPr id="6" name="Text Placeholder 5">
-            <a:extLst>
-              <a:ext uri="{FF2B5EF4-FFF2-40B4-BE49-F238E27FC236}">
-                <a16:creationId xmlns:a16="http://schemas.microsoft.com/office/drawing/2014/main" id="{7E7D4C34-22A0-4D54-A07D-E1E9A11463E5}"/>
-              </a:ext>
-            </a:extLst>
-          </p:cNvPr>
-          <p:cNvSpPr>
-            <a:spLocks noGrp="1"/>
-          </p:cNvSpPr>
-          <p:nvPr>
-            <p:ph type="body" sz="quarter" idx="24"/>
-          </p:nvPr>
-        </p:nvSpPr>
-        <p:spPr>
-          <a:xfrm>
-            <a:off x="5921828" y="2959856"/>
-            <a:ext cx="5431971" cy="557950"/>
-          </a:xfrm>
-        </p:spPr>
-        <p:txBody>
-          <a:bodyPr/>
-          <a:lstStyle/>
-          <a:p>
-            <a:r>
-              <a:rPr lang="en-US" dirty="0"/>
-              <a:t>First beautifully designed product that's both stylish and functional</a:t>
-            </a:r>
-          </a:p>
-        </p:txBody>
-      </p:sp>
-      <p:sp>
-        <p:nvSpPr>
-          <p:cNvPr id="7" name="Text Placeholder 6">
-            <a:extLst>
-              <a:ext uri="{FF2B5EF4-FFF2-40B4-BE49-F238E27FC236}">
-                <a16:creationId xmlns:a16="http://schemas.microsoft.com/office/drawing/2014/main" id="{301D392D-FB66-47A0-B628-5ADE822A2CFF}"/>
-              </a:ext>
-            </a:extLst>
-          </p:cNvPr>
-          <p:cNvSpPr>
-            <a:spLocks noGrp="1"/>
-          </p:cNvSpPr>
-          <p:nvPr>
-            <p:ph type="body" sz="quarter" idx="25"/>
-          </p:nvPr>
-        </p:nvSpPr>
-        <p:spPr>
-          <a:xfrm>
-            <a:off x="5922254" y="3730227"/>
-            <a:ext cx="5433204" cy="365125"/>
-          </a:xfrm>
-        </p:spPr>
-        <p:txBody>
-          <a:bodyPr>
-            <a:normAutofit lnSpcReduction="10000"/>
-          </a:bodyPr>
-          <a:lstStyle/>
-          <a:p>
-            <a:r>
-              <a:rPr lang="en-US" dirty="0"/>
-              <a:t>TESTED </a:t>
-            </a:r>
-          </a:p>
-        </p:txBody>
-      </p:sp>
-      <p:sp>
-        <p:nvSpPr>
-          <p:cNvPr id="8" name="Text Placeholder 7">
-            <a:extLst>
-              <a:ext uri="{FF2B5EF4-FFF2-40B4-BE49-F238E27FC236}">
-                <a16:creationId xmlns:a16="http://schemas.microsoft.com/office/drawing/2014/main" id="{51C26CE0-2506-4B44-A26F-C12BFA5B18B5}"/>
-              </a:ext>
-            </a:extLst>
-          </p:cNvPr>
-          <p:cNvSpPr>
-            <a:spLocks noGrp="1"/>
-          </p:cNvSpPr>
-          <p:nvPr>
-            <p:ph type="body" sz="quarter" idx="26"/>
-          </p:nvPr>
-        </p:nvSpPr>
-        <p:spPr>
-          <a:xfrm>
-            <a:off x="5921828" y="4059652"/>
-            <a:ext cx="5431971" cy="557950"/>
-          </a:xfrm>
-        </p:spPr>
-        <p:txBody>
-          <a:bodyPr/>
-          <a:lstStyle/>
-          <a:p>
-            <a:r>
-              <a:rPr lang="en-US" dirty="0"/>
-              <a:t>Conducted testing with college students in the area</a:t>
-            </a:r>
-          </a:p>
-        </p:txBody>
-      </p:sp>
-      <p:sp>
-        <p:nvSpPr>
-          <p:cNvPr id="9" name="Text Placeholder 8">
-            <a:extLst>
-              <a:ext uri="{FF2B5EF4-FFF2-40B4-BE49-F238E27FC236}">
-                <a16:creationId xmlns:a16="http://schemas.microsoft.com/office/drawing/2014/main" id="{868F40F8-BF35-45E9-B3DD-5436362D746E}"/>
-              </a:ext>
-            </a:extLst>
-          </p:cNvPr>
-          <p:cNvSpPr>
-            <a:spLocks noGrp="1"/>
-          </p:cNvSpPr>
-          <p:nvPr>
-            <p:ph type="body" sz="quarter" idx="27"/>
-          </p:nvPr>
-        </p:nvSpPr>
-        <p:spPr>
-          <a:xfrm>
-            <a:off x="5920106" y="4830024"/>
-            <a:ext cx="5433204" cy="365125"/>
-          </a:xfrm>
-        </p:spPr>
-        <p:txBody>
-          <a:bodyPr>
-            <a:normAutofit lnSpcReduction="10000"/>
-          </a:bodyPr>
-          <a:lstStyle/>
-          <a:p>
-            <a:r>
-              <a:rPr lang="en-US" dirty="0"/>
-              <a:t>AUTHENTIC</a:t>
-            </a:r>
-          </a:p>
-        </p:txBody>
-      </p:sp>
-      <p:sp>
-        <p:nvSpPr>
-          <p:cNvPr id="10" name="Text Placeholder 9">
-            <a:extLst>
-              <a:ext uri="{FF2B5EF4-FFF2-40B4-BE49-F238E27FC236}">
-                <a16:creationId xmlns:a16="http://schemas.microsoft.com/office/drawing/2014/main" id="{7F39C97C-2DDC-4706-B96C-B02FAE53A426}"/>
-              </a:ext>
-            </a:extLst>
-          </p:cNvPr>
-          <p:cNvSpPr>
-            <a:spLocks noGrp="1"/>
-          </p:cNvSpPr>
-          <p:nvPr>
-            <p:ph type="body" sz="quarter" idx="28"/>
-          </p:nvPr>
-        </p:nvSpPr>
-        <p:spPr>
-          <a:xfrm>
-            <a:off x="5919680" y="5159449"/>
-            <a:ext cx="5431971" cy="557950"/>
-          </a:xfrm>
-        </p:spPr>
-        <p:txBody>
-          <a:bodyPr/>
-          <a:lstStyle/>
-          <a:p>
-            <a:r>
-              <a:rPr lang="en-US" dirty="0"/>
-              <a:t>Designed with the help and input of experts in the field </a:t>
-            </a:r>
-          </a:p>
-        </p:txBody>
-      </p:sp>
-      <p:sp>
-        <p:nvSpPr>
           <p:cNvPr id="22" name="Slide Number Placeholder 21">
             <a:extLst>
               <a:ext uri="{FF2B5EF4-FFF2-40B4-BE49-F238E27FC236}">
@@ -39868,6 +39423,396 @@
           </a:p>
         </p:txBody>
       </p:sp>
+      <p:pic>
+        <p:nvPicPr>
+          <p:cNvPr id="26" name="Picture 25">
+            <a:extLst>
+              <a:ext uri="{FF2B5EF4-FFF2-40B4-BE49-F238E27FC236}">
+                <a16:creationId xmlns:a16="http://schemas.microsoft.com/office/drawing/2014/main" id="{A8F5D159-C435-394A-86D1-0000757C2AC3}"/>
+              </a:ext>
+            </a:extLst>
+          </p:cNvPr>
+          <p:cNvPicPr>
+            <a:picLocks noChangeAspect="1"/>
+          </p:cNvPicPr>
+          <p:nvPr/>
+        </p:nvPicPr>
+        <p:blipFill>
+          <a:blip r:embed="rId2"/>
+          <a:stretch>
+            <a:fillRect/>
+          </a:stretch>
+        </p:blipFill>
+        <p:spPr>
+          <a:xfrm>
+            <a:off x="8584621" y="1372885"/>
+            <a:ext cx="2639797" cy="1956986"/>
+          </a:xfrm>
+          <a:prstGeom prst="rect">
+            <a:avLst/>
+          </a:prstGeom>
+        </p:spPr>
+      </p:pic>
+      <mc:AlternateContent xmlns:mc="http://schemas.openxmlformats.org/markup-compatibility/2006">
+        <mc:Choice xmlns:a14="http://schemas.microsoft.com/office/drawing/2010/main" Requires="a14">
+          <p:sp>
+            <p:nvSpPr>
+              <p:cNvPr id="27" name="TextBox 26">
+                <a:extLst>
+                  <a:ext uri="{FF2B5EF4-FFF2-40B4-BE49-F238E27FC236}">
+                    <a16:creationId xmlns:a16="http://schemas.microsoft.com/office/drawing/2014/main" id="{80FB3F66-6B92-2528-4DD6-6E140FB98079}"/>
+                  </a:ext>
+                </a:extLst>
+              </p:cNvPr>
+              <p:cNvSpPr txBox="1"/>
+              <p:nvPr/>
+            </p:nvSpPr>
+            <p:spPr>
+              <a:xfrm>
+                <a:off x="3784932" y="1372885"/>
+                <a:ext cx="4693242" cy="1569660"/>
+              </a:xfrm>
+              <a:prstGeom prst="rect">
+                <a:avLst/>
+              </a:prstGeom>
+              <a:noFill/>
+            </p:spPr>
+            <p:txBody>
+              <a:bodyPr wrap="square" rtlCol="0">
+                <a:spAutoFit/>
+              </a:bodyPr>
+              <a:lstStyle/>
+              <a:p>
+                <a:r>
+                  <a:rPr lang="en-US" sz="1200" b="0" i="0" u="none" strike="noStrike" baseline="0" dirty="0">
+                    <a:solidFill>
+                      <a:srgbClr val="000000"/>
+                    </a:solidFill>
+                    <a:latin typeface="Arial" panose="020B0604020202020204" pitchFamily="34" charset="0"/>
+                  </a:rPr>
+                  <a:t>In the minimum enclosing ball problem, given a finite set of vectors  </a:t>
+                </a:r>
+              </a:p>
+              <a:p>
+                <a:r>
+                  <a:rPr lang="en-US" sz="1600" b="0" i="0" u="none" strike="noStrike" baseline="0" dirty="0">
+                    <a:solidFill>
+                      <a:srgbClr val="000000"/>
+                    </a:solidFill>
+                    <a:latin typeface="Cambria Math" panose="02040503050406030204" pitchFamily="18" charset="0"/>
+                  </a:rPr>
+                  <a:t>𝓐={𝑎1,...,𝑎𝑚}⊂ℝ</a:t>
+                </a:r>
+                <a:r>
+                  <a:rPr lang="en-US" sz="1600" b="0" i="0" u="none" strike="noStrike" baseline="30000" dirty="0">
+                    <a:solidFill>
+                      <a:srgbClr val="000000"/>
+                    </a:solidFill>
+                    <a:latin typeface="Cambria Math" panose="02040503050406030204" pitchFamily="18" charset="0"/>
+                  </a:rPr>
+                  <a:t>𝑛</a:t>
+                </a:r>
+                <a:r>
+                  <a:rPr lang="en-US" sz="1600" b="0" i="0" u="none" strike="noStrike" baseline="0" dirty="0">
+                    <a:solidFill>
+                      <a:srgbClr val="000000"/>
+                    </a:solidFill>
+                    <a:latin typeface="Arial" panose="020B0604020202020204" pitchFamily="34" charset="0"/>
+                  </a:rPr>
+                  <a:t>, </a:t>
+                </a:r>
+              </a:p>
+              <a:p>
+                <a:r>
+                  <a:rPr lang="en-US" sz="1200" b="0" i="0" u="none" strike="noStrike" baseline="0" dirty="0">
+                    <a:solidFill>
+                      <a:srgbClr val="000000"/>
+                    </a:solidFill>
+                    <a:latin typeface="Arial" panose="020B0604020202020204" pitchFamily="34" charset="0"/>
+                  </a:rPr>
+                  <a:t>the objective is to determine the smallest n-dimensional ball that contains all the points in </a:t>
+                </a:r>
+                <a:r>
+                  <a:rPr lang="en-US" sz="1200" b="0" i="0" u="none" strike="noStrike" baseline="0" dirty="0">
+                    <a:solidFill>
+                      <a:srgbClr val="000000"/>
+                    </a:solidFill>
+                    <a:latin typeface="Cambria Math" panose="02040503050406030204" pitchFamily="18" charset="0"/>
+                  </a:rPr>
+                  <a:t>𝓐 </a:t>
+                </a:r>
+                <a:r>
+                  <a:rPr lang="en-US" sz="1200" b="0" i="0" u="none" strike="noStrike" baseline="0" dirty="0">
+                    <a:solidFill>
+                      <a:srgbClr val="000000"/>
+                    </a:solidFill>
+                    <a:latin typeface="Arial" panose="020B0604020202020204" pitchFamily="34" charset="0"/>
+                  </a:rPr>
+                  <a:t>: </a:t>
+                </a:r>
+              </a:p>
+              <a:p>
+                <a:r>
+                  <a:rPr lang="en-US" sz="1600" b="0" i="0" u="none" strike="noStrike" baseline="0" dirty="0">
+                    <a:solidFill>
+                      <a:srgbClr val="111727"/>
+                    </a:solidFill>
+                    <a:latin typeface="Cambria Math" panose="02040503050406030204" pitchFamily="18" charset="0"/>
+                  </a:rPr>
+                  <a:t>𝓑</a:t>
+                </a:r>
+                <a:r>
+                  <a:rPr lang="en-US" sz="1600" b="0" i="0" u="none" strike="noStrike" baseline="0" dirty="0">
+                    <a:solidFill>
+                      <a:srgbClr val="000000"/>
+                    </a:solidFill>
+                    <a:latin typeface="Cambria Math" panose="02040503050406030204" pitchFamily="18" charset="0"/>
+                  </a:rPr>
+                  <a:t>𝒄,𝑟= {𝒂 ∈ ℝ</a:t>
+                </a:r>
+                <a:r>
+                  <a:rPr lang="en-US" sz="1600" b="0" i="0" u="none" strike="noStrike" baseline="30000" dirty="0">
+                    <a:solidFill>
+                      <a:srgbClr val="000000"/>
+                    </a:solidFill>
+                    <a:latin typeface="Cambria Math" panose="02040503050406030204" pitchFamily="18" charset="0"/>
+                  </a:rPr>
+                  <a:t>𝑛</a:t>
+                </a:r>
+                <a:r>
+                  <a:rPr lang="en-US" sz="1600" b="0" i="0" u="none" strike="noStrike" baseline="0" dirty="0">
+                    <a:solidFill>
+                      <a:srgbClr val="000000"/>
+                    </a:solidFill>
+                    <a:latin typeface="Cambria Math" panose="02040503050406030204" pitchFamily="18" charset="0"/>
+                  </a:rPr>
+                  <a:t> | ‖𝒂−𝒄‖≤𝑟} </a:t>
+                </a:r>
+              </a:p>
+              <a:p>
+                <a:endParaRPr lang="en-US" sz="1600" dirty="0">
+                  <a:solidFill>
+                    <a:srgbClr val="000000"/>
+                  </a:solidFill>
+                  <a:latin typeface="Cambria Math" panose="02040503050406030204" pitchFamily="18" charset="0"/>
+                </a:endParaRPr>
+              </a:p>
+              <a:p>
+                <a:r>
+                  <a:rPr lang="en-US" sz="1200" dirty="0">
+                    <a:latin typeface="Arial" panose="020B0604020202020204" pitchFamily="34" charset="0"/>
+                    <a:ea typeface="Calibri" panose="020F0502020204030204" pitchFamily="34" charset="0"/>
+                  </a:rPr>
+                  <a:t>D</a:t>
+                </a:r>
+                <a:r>
+                  <a:rPr lang="en-US" sz="1200" dirty="0">
+                    <a:effectLst/>
+                    <a:latin typeface="Arial" panose="020B0604020202020204" pitchFamily="34" charset="0"/>
+                    <a:ea typeface="Calibri" panose="020F0502020204030204" pitchFamily="34" charset="0"/>
+                  </a:rPr>
+                  <a:t>etermine the optimal choices </a:t>
+                </a:r>
+                <a14:m>
+                  <m:oMath xmlns:m="http://schemas.openxmlformats.org/officeDocument/2006/math">
+                    <m:sSup>
+                      <m:sSupPr>
+                        <m:ctrlPr>
+                          <a:rPr lang="en-US" sz="1200" i="1">
+                            <a:effectLst/>
+                            <a:latin typeface="Cambria Math" panose="02040503050406030204" pitchFamily="18" charset="0"/>
+                            <a:cs typeface="Arial" panose="020B0604020202020204" pitchFamily="34" charset="0"/>
+                          </a:rPr>
+                        </m:ctrlPr>
+                      </m:sSupPr>
+                      <m:e>
+                        <m:r>
+                          <a:rPr lang="en-US" sz="1200" i="1">
+                            <a:effectLst/>
+                            <a:latin typeface="Cambria Math" panose="02040503050406030204" pitchFamily="18" charset="0"/>
+                            <a:ea typeface="Calibri" panose="020F0502020204030204" pitchFamily="34" charset="0"/>
+                            <a:cs typeface="Arial" panose="020B0604020202020204" pitchFamily="34" charset="0"/>
+                          </a:rPr>
+                          <m:t>𝑐</m:t>
+                        </m:r>
+                      </m:e>
+                      <m:sup>
+                        <m:r>
+                          <a:rPr lang="en-US" sz="1200" i="1">
+                            <a:effectLst/>
+                            <a:latin typeface="Cambria Math" panose="02040503050406030204" pitchFamily="18" charset="0"/>
+                            <a:ea typeface="Calibri" panose="020F0502020204030204" pitchFamily="34" charset="0"/>
+                            <a:cs typeface="Arial" panose="020B0604020202020204" pitchFamily="34" charset="0"/>
+                          </a:rPr>
+                          <m:t>∗</m:t>
+                        </m:r>
+                      </m:sup>
+                    </m:sSup>
+                  </m:oMath>
+                </a14:m>
+                <a:r>
+                  <a:rPr lang="en-US" sz="1200" dirty="0">
+                    <a:effectLst/>
+                    <a:latin typeface="Arial" panose="020B0604020202020204" pitchFamily="34" charset="0"/>
+                    <a:ea typeface="Calibri" panose="020F0502020204030204" pitchFamily="34" charset="0"/>
+                  </a:rPr>
+                  <a:t> and </a:t>
+                </a:r>
+                <a14:m>
+                  <m:oMath xmlns:m="http://schemas.openxmlformats.org/officeDocument/2006/math">
+                    <m:sSup>
+                      <m:sSupPr>
+                        <m:ctrlPr>
+                          <a:rPr lang="en-US" sz="1200" i="1">
+                            <a:effectLst/>
+                            <a:latin typeface="Cambria Math" panose="02040503050406030204" pitchFamily="18" charset="0"/>
+                            <a:cs typeface="Arial" panose="020B0604020202020204" pitchFamily="34" charset="0"/>
+                          </a:rPr>
+                        </m:ctrlPr>
+                      </m:sSupPr>
+                      <m:e>
+                        <m:r>
+                          <a:rPr lang="en-US" sz="1200" i="1">
+                            <a:effectLst/>
+                            <a:latin typeface="Cambria Math" panose="02040503050406030204" pitchFamily="18" charset="0"/>
+                            <a:ea typeface="Calibri" panose="020F0502020204030204" pitchFamily="34" charset="0"/>
+                            <a:cs typeface="Arial" panose="020B0604020202020204" pitchFamily="34" charset="0"/>
+                          </a:rPr>
+                          <m:t>𝑟</m:t>
+                        </m:r>
+                      </m:e>
+                      <m:sup>
+                        <m:r>
+                          <a:rPr lang="en-US" sz="1200" i="1">
+                            <a:effectLst/>
+                            <a:latin typeface="Cambria Math" panose="02040503050406030204" pitchFamily="18" charset="0"/>
+                            <a:ea typeface="Calibri" panose="020F0502020204030204" pitchFamily="34" charset="0"/>
+                            <a:cs typeface="Arial" panose="020B0604020202020204" pitchFamily="34" charset="0"/>
+                          </a:rPr>
+                          <m:t>∗</m:t>
+                        </m:r>
+                      </m:sup>
+                    </m:sSup>
+                  </m:oMath>
+                </a14:m>
+                <a:r>
+                  <a:rPr lang="en-US" sz="1200" dirty="0">
+                    <a:effectLst/>
+                    <a:latin typeface="Arial" panose="020B0604020202020204" pitchFamily="34" charset="0"/>
+                    <a:ea typeface="Calibri" panose="020F0502020204030204" pitchFamily="34" charset="0"/>
+                  </a:rPr>
+                  <a:t> </a:t>
+                </a:r>
+                <a:endParaRPr lang="en-US" sz="1100" dirty="0"/>
+              </a:p>
+            </p:txBody>
+          </p:sp>
+        </mc:Choice>
+        <mc:Fallback>
+          <p:sp>
+            <p:nvSpPr>
+              <p:cNvPr id="27" name="TextBox 26">
+                <a:extLst>
+                  <a:ext uri="{FF2B5EF4-FFF2-40B4-BE49-F238E27FC236}">
+                    <a16:creationId xmlns:a16="http://schemas.microsoft.com/office/drawing/2014/main" id="{80FB3F66-6B92-2528-4DD6-6E140FB98079}"/>
+                  </a:ext>
+                </a:extLst>
+              </p:cNvPr>
+              <p:cNvSpPr txBox="1">
+                <a:spLocks noRot="1" noChangeAspect="1" noMove="1" noResize="1" noEditPoints="1" noAdjustHandles="1" noChangeArrowheads="1" noChangeShapeType="1" noTextEdit="1"/>
+              </p:cNvSpPr>
+              <p:nvPr/>
+            </p:nvSpPr>
+            <p:spPr>
+              <a:xfrm>
+                <a:off x="3784932" y="1372885"/>
+                <a:ext cx="4693242" cy="1569660"/>
+              </a:xfrm>
+              <a:prstGeom prst="rect">
+                <a:avLst/>
+              </a:prstGeom>
+              <a:blipFill>
+                <a:blip r:embed="rId3"/>
+                <a:stretch>
+                  <a:fillRect l="-779" t="-388" r="-1169" b="-1550"/>
+                </a:stretch>
+              </a:blipFill>
+            </p:spPr>
+            <p:txBody>
+              <a:bodyPr/>
+              <a:lstStyle/>
+              <a:p>
+                <a:r>
+                  <a:rPr lang="en-US">
+                    <a:noFill/>
+                  </a:rPr>
+                  <a:t> </a:t>
+                </a:r>
+              </a:p>
+            </p:txBody>
+          </p:sp>
+        </mc:Fallback>
+      </mc:AlternateContent>
+      <p:pic>
+        <p:nvPicPr>
+          <p:cNvPr id="29" name="Picture 28">
+            <a:extLst>
+              <a:ext uri="{FF2B5EF4-FFF2-40B4-BE49-F238E27FC236}">
+                <a16:creationId xmlns:a16="http://schemas.microsoft.com/office/drawing/2014/main" id="{06920A17-6D10-3F4B-56F4-E93A76CA6A16}"/>
+              </a:ext>
+            </a:extLst>
+          </p:cNvPr>
+          <p:cNvPicPr>
+            <a:picLocks noChangeAspect="1"/>
+          </p:cNvPicPr>
+          <p:nvPr/>
+        </p:nvPicPr>
+        <p:blipFill>
+          <a:blip r:embed="rId4"/>
+          <a:stretch>
+            <a:fillRect/>
+          </a:stretch>
+        </p:blipFill>
+        <p:spPr>
+          <a:xfrm>
+            <a:off x="3784932" y="2942545"/>
+            <a:ext cx="4551848" cy="456097"/>
+          </a:xfrm>
+          <a:prstGeom prst="rect">
+            <a:avLst/>
+          </a:prstGeom>
+        </p:spPr>
+      </p:pic>
+      <p:pic>
+        <p:nvPicPr>
+          <p:cNvPr id="31" name="Picture 30">
+            <a:extLst>
+              <a:ext uri="{FF2B5EF4-FFF2-40B4-BE49-F238E27FC236}">
+                <a16:creationId xmlns:a16="http://schemas.microsoft.com/office/drawing/2014/main" id="{0F3A52DE-20BB-F115-5D34-7D915D03CCE4}"/>
+              </a:ext>
+            </a:extLst>
+          </p:cNvPr>
+          <p:cNvPicPr>
+            <a:picLocks noChangeAspect="1"/>
+          </p:cNvPicPr>
+          <p:nvPr/>
+        </p:nvPicPr>
+        <p:blipFill>
+          <a:blip r:embed="rId5"/>
+          <a:stretch>
+            <a:fillRect/>
+          </a:stretch>
+        </p:blipFill>
+        <p:spPr>
+          <a:xfrm>
+            <a:off x="3755441" y="3398641"/>
+            <a:ext cx="6480512" cy="730373"/>
+          </a:xfrm>
+          <a:prstGeom prst="rect">
+            <a:avLst/>
+          </a:prstGeom>
+        </p:spPr>
+      </p:pic>
     </p:spTree>
     <p:extLst>
       <p:ext uri="{BB962C8B-B14F-4D97-AF65-F5344CB8AC3E}">
@@ -39900,10 +39845,10 @@
       </p:grpSpPr>
       <p:sp>
         <p:nvSpPr>
-          <p:cNvPr id="4" name="Title 3">
+          <p:cNvPr id="2" name="Title 1">
             <a:extLst>
               <a:ext uri="{FF2B5EF4-FFF2-40B4-BE49-F238E27FC236}">
-                <a16:creationId xmlns:a16="http://schemas.microsoft.com/office/drawing/2014/main" id="{FAD2AE59-5630-4D5C-83A9-4CDEF4D7DCFB}"/>
+                <a16:creationId xmlns:a16="http://schemas.microsoft.com/office/drawing/2014/main" id="{75031FE9-9059-4FE8-B4AC-9771F23A1B89}"/>
               </a:ext>
             </a:extLst>
           </p:cNvPr>
@@ -39916,8 +39861,8 @@
         </p:nvSpPr>
         <p:spPr>
           <a:xfrm>
-            <a:off x="998367" y="4506910"/>
-            <a:ext cx="3689042" cy="1325563"/>
+            <a:off x="1508760" y="4156405"/>
+            <a:ext cx="3139440" cy="1325563"/>
           </a:xfrm>
         </p:spPr>
         <p:txBody>
@@ -39926,7 +39871,7 @@
           <a:p>
             <a:r>
               <a:rPr lang="en-US" dirty="0"/>
-              <a:t>The dual </a:t>
+              <a:t>The DUAL </a:t>
             </a:r>
             <a:r>
               <a:rPr lang="en-US" dirty="0" err="1"/>
@@ -39941,10 +39886,10 @@
       </p:sp>
       <p:sp>
         <p:nvSpPr>
-          <p:cNvPr id="7" name="Text Placeholder 6">
+          <p:cNvPr id="22" name="Slide Number Placeholder 21">
             <a:extLst>
               <a:ext uri="{FF2B5EF4-FFF2-40B4-BE49-F238E27FC236}">
-                <a16:creationId xmlns:a16="http://schemas.microsoft.com/office/drawing/2014/main" id="{578017FE-712E-4E95-B483-B700F1AA4B2A}"/>
+                <a16:creationId xmlns:a16="http://schemas.microsoft.com/office/drawing/2014/main" id="{5D1BD041-3428-4D62-934F-F3FF6D36F90F}"/>
               </a:ext>
             </a:extLst>
           </p:cNvPr>
@@ -39952,112 +39897,13 @@
             <a:spLocks noGrp="1"/>
           </p:cNvSpPr>
           <p:nvPr>
-            <p:ph type="body" sz="quarter" idx="3"/>
+            <p:ph type="sldNum" sz="quarter" idx="22"/>
           </p:nvPr>
         </p:nvSpPr>
         <p:spPr>
           <a:xfrm>
-            <a:off x="7410173" y="2776936"/>
-            <a:ext cx="3943627" cy="823912"/>
-          </a:xfrm>
-        </p:spPr>
-        <p:txBody>
-          <a:bodyPr/>
-          <a:lstStyle/>
-          <a:p>
-            <a:r>
-              <a:rPr lang="en-US" dirty="0"/>
-              <a:t>COMPETITORS</a:t>
-            </a:r>
-          </a:p>
-        </p:txBody>
-      </p:sp>
-      <p:sp>
-        <p:nvSpPr>
-          <p:cNvPr id="11" name="Content Placeholder 10">
-            <a:extLst>
-              <a:ext uri="{FF2B5EF4-FFF2-40B4-BE49-F238E27FC236}">
-                <a16:creationId xmlns:a16="http://schemas.microsoft.com/office/drawing/2014/main" id="{D0E0ACA0-9139-4C37-920D-BF3C1FF461C1}"/>
-              </a:ext>
-            </a:extLst>
-          </p:cNvPr>
-          <p:cNvSpPr>
-            <a:spLocks noGrp="1"/>
-          </p:cNvSpPr>
-          <p:nvPr>
-            <p:ph sz="quarter" idx="4"/>
-          </p:nvPr>
-        </p:nvSpPr>
-        <p:spPr>
-          <a:xfrm>
-            <a:off x="7410173" y="3834606"/>
-            <a:ext cx="3943627" cy="1997867"/>
-          </a:xfrm>
-        </p:spPr>
-        <p:txBody>
-          <a:bodyPr/>
-          <a:lstStyle/>
-          <a:p>
-            <a:r>
-              <a:rPr lang="en-US" b="1" noProof="1"/>
-              <a:t>Company A</a:t>
-            </a:r>
-            <a:br>
-              <a:rPr lang="en-US" noProof="1"/>
-            </a:br>
-            <a:r>
-              <a:rPr lang="en-US" noProof="1"/>
-              <a:t>Product is more expensive</a:t>
-            </a:r>
-          </a:p>
-          <a:p>
-            <a:r>
-              <a:rPr lang="en-US" b="1" noProof="1"/>
-              <a:t>Companies B &amp; C </a:t>
-            </a:r>
-            <a:br>
-              <a:rPr lang="en-US" noProof="1"/>
-            </a:br>
-            <a:r>
-              <a:rPr lang="en-US" noProof="1"/>
-              <a:t>Product is expensive and inconvenient to use</a:t>
-            </a:r>
-          </a:p>
-          <a:p>
-            <a:r>
-              <a:rPr lang="en-US" b="1" noProof="1"/>
-              <a:t>Companies D &amp; E</a:t>
-            </a:r>
-            <a:br>
-              <a:rPr lang="en-US" noProof="1"/>
-            </a:br>
-            <a:r>
-              <a:rPr lang="en-US" noProof="1"/>
-              <a:t>Product is affordable, but inconvenient to use</a:t>
-            </a:r>
-          </a:p>
-        </p:txBody>
-      </p:sp>
-      <p:sp>
-        <p:nvSpPr>
-          <p:cNvPr id="14" name="Slide Number Placeholder 13">
-            <a:extLst>
-              <a:ext uri="{FF2B5EF4-FFF2-40B4-BE49-F238E27FC236}">
-                <a16:creationId xmlns:a16="http://schemas.microsoft.com/office/drawing/2014/main" id="{42152A75-1CD2-44EC-9374-C83D4604A5DD}"/>
-              </a:ext>
-            </a:extLst>
-          </p:cNvPr>
-          <p:cNvSpPr>
-            <a:spLocks noGrp="1"/>
-          </p:cNvSpPr>
-          <p:nvPr>
-            <p:ph type="sldNum" sz="quarter" idx="12"/>
-          </p:nvPr>
-        </p:nvSpPr>
-        <p:spPr>
-          <a:xfrm>
-            <a:off x="8610600" y="6356350"/>
-            <a:ext cx="2743200" cy="365125"/>
+            <a:off x="10700656" y="6356350"/>
+            <a:ext cx="653143" cy="365125"/>
           </a:xfrm>
         </p:spPr>
         <p:txBody>
@@ -40073,10 +39919,216 @@
           </a:p>
         </p:txBody>
       </p:sp>
+      <p:pic>
+        <p:nvPicPr>
+          <p:cNvPr id="6" name="Picture 5">
+            <a:extLst>
+              <a:ext uri="{FF2B5EF4-FFF2-40B4-BE49-F238E27FC236}">
+                <a16:creationId xmlns:a16="http://schemas.microsoft.com/office/drawing/2014/main" id="{BCD1863E-8012-1445-9099-47BB767F8123}"/>
+              </a:ext>
+            </a:extLst>
+          </p:cNvPr>
+          <p:cNvPicPr>
+            <a:picLocks noChangeAspect="1"/>
+          </p:cNvPicPr>
+          <p:nvPr/>
+        </p:nvPicPr>
+        <p:blipFill>
+          <a:blip r:embed="rId2"/>
+          <a:stretch>
+            <a:fillRect/>
+          </a:stretch>
+        </p:blipFill>
+        <p:spPr>
+          <a:xfrm>
+            <a:off x="5487598" y="595976"/>
+            <a:ext cx="4991797" cy="1918555"/>
+          </a:xfrm>
+          <a:prstGeom prst="rect">
+            <a:avLst/>
+          </a:prstGeom>
+        </p:spPr>
+      </p:pic>
+      <p:sp>
+        <p:nvSpPr>
+          <p:cNvPr id="7" name="TextBox 6">
+            <a:extLst>
+              <a:ext uri="{FF2B5EF4-FFF2-40B4-BE49-F238E27FC236}">
+                <a16:creationId xmlns:a16="http://schemas.microsoft.com/office/drawing/2014/main" id="{3554DC00-94DE-13F9-D960-060509FF1005}"/>
+              </a:ext>
+            </a:extLst>
+          </p:cNvPr>
+          <p:cNvSpPr txBox="1"/>
+          <p:nvPr/>
+        </p:nvSpPr>
+        <p:spPr>
+          <a:xfrm>
+            <a:off x="5566299" y="2585528"/>
+            <a:ext cx="3655168" cy="276999"/>
+          </a:xfrm>
+          <a:prstGeom prst="rect">
+            <a:avLst/>
+          </a:prstGeom>
+          <a:noFill/>
+        </p:spPr>
+        <p:txBody>
+          <a:bodyPr wrap="none" rtlCol="0">
+            <a:spAutoFit/>
+          </a:bodyPr>
+          <a:lstStyle/>
+          <a:p>
+            <a:r>
+              <a:rPr lang="en-US" sz="1200" dirty="0">
+                <a:effectLst/>
+                <a:latin typeface="Arial" panose="020B0604020202020204" pitchFamily="34" charset="0"/>
+                <a:ea typeface="Calibri" panose="020F0502020204030204" pitchFamily="34" charset="0"/>
+              </a:rPr>
+              <a:t>we can write our </a:t>
+            </a:r>
+            <a:r>
+              <a:rPr lang="en-US" sz="1200" dirty="0" err="1">
+                <a:effectLst/>
+                <a:latin typeface="Arial" panose="020B0604020202020204" pitchFamily="34" charset="0"/>
+                <a:ea typeface="Calibri" panose="020F0502020204030204" pitchFamily="34" charset="0"/>
+              </a:rPr>
+              <a:t>Lagrangian</a:t>
+            </a:r>
+            <a:r>
+              <a:rPr lang="en-US" sz="1200" dirty="0">
+                <a:effectLst/>
+                <a:latin typeface="Arial" panose="020B0604020202020204" pitchFamily="34" charset="0"/>
+                <a:ea typeface="Calibri" panose="020F0502020204030204" pitchFamily="34" charset="0"/>
+              </a:rPr>
+              <a:t> even more compactly </a:t>
+            </a:r>
+            <a:endParaRPr lang="en-US" sz="1200" dirty="0"/>
+          </a:p>
+        </p:txBody>
+      </p:sp>
+      <p:pic>
+        <p:nvPicPr>
+          <p:cNvPr id="9" name="Picture 8">
+            <a:extLst>
+              <a:ext uri="{FF2B5EF4-FFF2-40B4-BE49-F238E27FC236}">
+                <a16:creationId xmlns:a16="http://schemas.microsoft.com/office/drawing/2014/main" id="{0B501405-A79A-F593-FFAC-9229F4562B7A}"/>
+              </a:ext>
+            </a:extLst>
+          </p:cNvPr>
+          <p:cNvPicPr>
+            <a:picLocks noChangeAspect="1"/>
+          </p:cNvPicPr>
+          <p:nvPr/>
+        </p:nvPicPr>
+        <p:blipFill>
+          <a:blip r:embed="rId3"/>
+          <a:stretch>
+            <a:fillRect/>
+          </a:stretch>
+        </p:blipFill>
+        <p:spPr>
+          <a:xfrm>
+            <a:off x="5566263" y="2862527"/>
+            <a:ext cx="3355795" cy="553321"/>
+          </a:xfrm>
+          <a:prstGeom prst="rect">
+            <a:avLst/>
+          </a:prstGeom>
+        </p:spPr>
+      </p:pic>
+      <p:pic>
+        <p:nvPicPr>
+          <p:cNvPr id="13" name="Picture 12">
+            <a:extLst>
+              <a:ext uri="{FF2B5EF4-FFF2-40B4-BE49-F238E27FC236}">
+                <a16:creationId xmlns:a16="http://schemas.microsoft.com/office/drawing/2014/main" id="{F304BABB-ADD5-21AF-4C50-BEE2BC190F77}"/>
+              </a:ext>
+            </a:extLst>
+          </p:cNvPr>
+          <p:cNvPicPr>
+            <a:picLocks noChangeAspect="1"/>
+          </p:cNvPicPr>
+          <p:nvPr/>
+        </p:nvPicPr>
+        <p:blipFill>
+          <a:blip r:embed="rId4"/>
+          <a:stretch>
+            <a:fillRect/>
+          </a:stretch>
+        </p:blipFill>
+        <p:spPr>
+          <a:xfrm>
+            <a:off x="5566263" y="3786847"/>
+            <a:ext cx="3862625" cy="1113246"/>
+          </a:xfrm>
+          <a:prstGeom prst="rect">
+            <a:avLst/>
+          </a:prstGeom>
+        </p:spPr>
+      </p:pic>
+      <p:pic>
+        <p:nvPicPr>
+          <p:cNvPr id="15" name="Picture 14">
+            <a:extLst>
+              <a:ext uri="{FF2B5EF4-FFF2-40B4-BE49-F238E27FC236}">
+                <a16:creationId xmlns:a16="http://schemas.microsoft.com/office/drawing/2014/main" id="{2BC46D84-9228-0546-6812-04AD4EE24D47}"/>
+              </a:ext>
+            </a:extLst>
+          </p:cNvPr>
+          <p:cNvPicPr>
+            <a:picLocks noChangeAspect="1"/>
+          </p:cNvPicPr>
+          <p:nvPr/>
+        </p:nvPicPr>
+        <p:blipFill>
+          <a:blip r:embed="rId5"/>
+          <a:stretch>
+            <a:fillRect/>
+          </a:stretch>
+        </p:blipFill>
+        <p:spPr>
+          <a:xfrm>
+            <a:off x="5487597" y="5116724"/>
+            <a:ext cx="4991797" cy="428685"/>
+          </a:xfrm>
+          <a:prstGeom prst="rect">
+            <a:avLst/>
+          </a:prstGeom>
+        </p:spPr>
+      </p:pic>
+      <p:pic>
+        <p:nvPicPr>
+          <p:cNvPr id="17" name="Picture 16">
+            <a:extLst>
+              <a:ext uri="{FF2B5EF4-FFF2-40B4-BE49-F238E27FC236}">
+                <a16:creationId xmlns:a16="http://schemas.microsoft.com/office/drawing/2014/main" id="{4584E0CB-A819-E42C-B893-6E44701809B0}"/>
+              </a:ext>
+            </a:extLst>
+          </p:cNvPr>
+          <p:cNvPicPr>
+            <a:picLocks noChangeAspect="1"/>
+          </p:cNvPicPr>
+          <p:nvPr/>
+        </p:nvPicPr>
+        <p:blipFill>
+          <a:blip r:embed="rId6"/>
+          <a:stretch>
+            <a:fillRect/>
+          </a:stretch>
+        </p:blipFill>
+        <p:spPr>
+          <a:xfrm>
+            <a:off x="5566263" y="5641850"/>
+            <a:ext cx="4730023" cy="365125"/>
+          </a:xfrm>
+          <a:prstGeom prst="rect">
+            <a:avLst/>
+          </a:prstGeom>
+        </p:spPr>
+      </p:pic>
     </p:spTree>
     <p:extLst>
       <p:ext uri="{BB962C8B-B14F-4D97-AF65-F5344CB8AC3E}">
-        <p14:creationId xmlns:p14="http://schemas.microsoft.com/office/powerpoint/2010/main" val="1057409390"/>
+        <p14:creationId xmlns:p14="http://schemas.microsoft.com/office/powerpoint/2010/main" val="3056931929"/>
       </p:ext>
     </p:extLst>
   </p:cSld>
@@ -40087,6 +40139,572 @@
 </file>
 
 <file path=ppt/slides/slide5.xml><?xml version="1.0" encoding="utf-8"?>
+<p:sld xmlns:a="http://schemas.openxmlformats.org/drawingml/2006/main" xmlns:r="http://schemas.openxmlformats.org/officeDocument/2006/relationships" xmlns:p="http://schemas.openxmlformats.org/presentationml/2006/main">
+  <p:cSld>
+    <p:spTree>
+      <p:nvGrpSpPr>
+        <p:cNvPr id="1" name=""/>
+        <p:cNvGrpSpPr/>
+        <p:nvPr/>
+      </p:nvGrpSpPr>
+      <p:grpSpPr>
+        <a:xfrm>
+          <a:off x="0" y="0"/>
+          <a:ext cx="0" cy="0"/>
+          <a:chOff x="0" y="0"/>
+          <a:chExt cx="0" cy="0"/>
+        </a:xfrm>
+      </p:grpSpPr>
+      <p:sp>
+        <p:nvSpPr>
+          <p:cNvPr id="2" name="Title 1">
+            <a:extLst>
+              <a:ext uri="{FF2B5EF4-FFF2-40B4-BE49-F238E27FC236}">
+                <a16:creationId xmlns:a16="http://schemas.microsoft.com/office/drawing/2014/main" id="{75031FE9-9059-4FE8-B4AC-9771F23A1B89}"/>
+              </a:ext>
+            </a:extLst>
+          </p:cNvPr>
+          <p:cNvSpPr>
+            <a:spLocks noGrp="1"/>
+          </p:cNvSpPr>
+          <p:nvPr>
+            <p:ph type="title"/>
+          </p:nvPr>
+        </p:nvSpPr>
+        <p:spPr>
+          <a:xfrm>
+            <a:off x="1136342" y="4156405"/>
+            <a:ext cx="3511858" cy="1720612"/>
+          </a:xfrm>
+        </p:spPr>
+        <p:txBody>
+          <a:bodyPr>
+            <a:normAutofit/>
+          </a:bodyPr>
+          <a:lstStyle/>
+          <a:p>
+            <a:r>
+              <a:rPr lang="en-GB" dirty="0"/>
+              <a:t>From Lagrange multipliers to MEB parameters</a:t>
+            </a:r>
+            <a:endParaRPr lang="en-US" dirty="0"/>
+          </a:p>
+        </p:txBody>
+      </p:sp>
+      <p:sp>
+        <p:nvSpPr>
+          <p:cNvPr id="22" name="Slide Number Placeholder 21">
+            <a:extLst>
+              <a:ext uri="{FF2B5EF4-FFF2-40B4-BE49-F238E27FC236}">
+                <a16:creationId xmlns:a16="http://schemas.microsoft.com/office/drawing/2014/main" id="{5D1BD041-3428-4D62-934F-F3FF6D36F90F}"/>
+              </a:ext>
+            </a:extLst>
+          </p:cNvPr>
+          <p:cNvSpPr>
+            <a:spLocks noGrp="1"/>
+          </p:cNvSpPr>
+          <p:nvPr>
+            <p:ph type="sldNum" sz="quarter" idx="22"/>
+          </p:nvPr>
+        </p:nvSpPr>
+        <p:spPr>
+          <a:xfrm>
+            <a:off x="10700656" y="6356350"/>
+            <a:ext cx="653143" cy="365125"/>
+          </a:xfrm>
+        </p:spPr>
+        <p:txBody>
+          <a:bodyPr/>
+          <a:lstStyle/>
+          <a:p>
+            <a:fld id="{B5CEABB6-07DC-46E8-9B57-56EC44A396E5}" type="slidenum">
+              <a:rPr lang="en-US" smtClean="0"/>
+              <a:pPr/>
+              <a:t>5</a:t>
+            </a:fld>
+            <a:endParaRPr lang="en-US" dirty="0"/>
+          </a:p>
+        </p:txBody>
+      </p:sp>
+      <mc:AlternateContent xmlns:mc="http://schemas.openxmlformats.org/markup-compatibility/2006">
+        <mc:Choice xmlns:a14="http://schemas.microsoft.com/office/drawing/2010/main" Requires="a14">
+          <p:sp>
+            <p:nvSpPr>
+              <p:cNvPr id="7" name="TextBox 6">
+                <a:extLst>
+                  <a:ext uri="{FF2B5EF4-FFF2-40B4-BE49-F238E27FC236}">
+                    <a16:creationId xmlns:a16="http://schemas.microsoft.com/office/drawing/2014/main" id="{3554DC00-94DE-13F9-D960-060509FF1005}"/>
+                  </a:ext>
+                </a:extLst>
+              </p:cNvPr>
+              <p:cNvSpPr txBox="1"/>
+              <p:nvPr/>
+            </p:nvSpPr>
+            <p:spPr>
+              <a:xfrm>
+                <a:off x="5566299" y="1287225"/>
+                <a:ext cx="4922694" cy="1246495"/>
+              </a:xfrm>
+              <a:prstGeom prst="rect">
+                <a:avLst/>
+              </a:prstGeom>
+              <a:noFill/>
+            </p:spPr>
+            <p:txBody>
+              <a:bodyPr wrap="none" rtlCol="0">
+                <a:spAutoFit/>
+              </a:bodyPr>
+              <a:lstStyle/>
+              <a:p>
+                <a:r>
+                  <a:rPr lang="en-US" sz="1200" dirty="0">
+                    <a:effectLst/>
+                    <a:latin typeface="Arial" panose="020B0604020202020204" pitchFamily="34" charset="0"/>
+                    <a:ea typeface="Calibri" panose="020F0502020204030204" pitchFamily="34" charset="0"/>
+                  </a:rPr>
+                  <a:t>If we could solve this dual problem , </a:t>
+                </a:r>
+              </a:p>
+              <a:p>
+                <a:r>
+                  <a:rPr lang="en-US" sz="1200" dirty="0">
+                    <a:effectLst/>
+                    <a:latin typeface="Arial" panose="020B0604020202020204" pitchFamily="34" charset="0"/>
+                    <a:ea typeface="Calibri" panose="020F0502020204030204" pitchFamily="34" charset="0"/>
+                  </a:rPr>
+                  <a:t>we would obtain an optimal Lagrange multiplier vector, denoted as </a:t>
+                </a:r>
+                <a14:m>
+                  <m:oMath xmlns:m="http://schemas.openxmlformats.org/officeDocument/2006/math">
+                    <m:sSup>
+                      <m:sSupPr>
+                        <m:ctrlPr>
+                          <a:rPr lang="en-US" sz="1200" b="1" i="1">
+                            <a:effectLst/>
+                            <a:latin typeface="Cambria Math" panose="02040503050406030204" pitchFamily="18" charset="0"/>
+                            <a:cs typeface="Arial" panose="020B0604020202020204" pitchFamily="34" charset="0"/>
+                          </a:rPr>
+                        </m:ctrlPr>
+                      </m:sSupPr>
+                      <m:e>
+                        <m:r>
+                          <a:rPr lang="en-US" sz="1200" b="1" i="1">
+                            <a:effectLst/>
+                            <a:latin typeface="Cambria Math" panose="02040503050406030204" pitchFamily="18" charset="0"/>
+                            <a:ea typeface="Calibri" panose="020F0502020204030204" pitchFamily="34" charset="0"/>
+                            <a:cs typeface="Arial" panose="020B0604020202020204" pitchFamily="34" charset="0"/>
+                          </a:rPr>
+                          <m:t>𝒖</m:t>
+                        </m:r>
+                      </m:e>
+                      <m:sup>
+                        <m:r>
+                          <a:rPr lang="en-US" sz="1200" b="1" i="1">
+                            <a:effectLst/>
+                            <a:latin typeface="Cambria Math" panose="02040503050406030204" pitchFamily="18" charset="0"/>
+                            <a:ea typeface="Calibri" panose="020F0502020204030204" pitchFamily="34" charset="0"/>
+                            <a:cs typeface="Arial" panose="020B0604020202020204" pitchFamily="34" charset="0"/>
+                          </a:rPr>
+                          <m:t>∗</m:t>
+                        </m:r>
+                      </m:sup>
+                    </m:sSup>
+                  </m:oMath>
+                </a14:m>
+                <a:r>
+                  <a:rPr lang="en-US" sz="1200" b="1" dirty="0">
+                    <a:effectLst/>
+                    <a:latin typeface="Arial" panose="020B0604020202020204" pitchFamily="34" charset="0"/>
+                    <a:ea typeface="Times New Roman" panose="02020603050405020304" pitchFamily="18" charset="0"/>
+                  </a:rPr>
+                  <a:t> </a:t>
+                </a:r>
+              </a:p>
+              <a:p>
+                <a:r>
+                  <a:rPr lang="en-US" sz="1200" dirty="0">
+                    <a:effectLst/>
+                    <a:latin typeface="Arial" panose="020B0604020202020204" pitchFamily="34" charset="0"/>
+                    <a:ea typeface="Times New Roman" panose="02020603050405020304" pitchFamily="18" charset="0"/>
+                  </a:rPr>
+                  <a:t>and could compute the center </a:t>
+                </a:r>
+                <a14:m>
+                  <m:oMath xmlns:m="http://schemas.openxmlformats.org/officeDocument/2006/math">
+                    <m:sSup>
+                      <m:sSupPr>
+                        <m:ctrlPr>
+                          <a:rPr lang="en-US" sz="1200" b="1" i="1" smtClean="0">
+                            <a:effectLst/>
+                            <a:latin typeface="Cambria Math" panose="02040503050406030204" pitchFamily="18" charset="0"/>
+                            <a:cs typeface="Arial" panose="020B0604020202020204" pitchFamily="34" charset="0"/>
+                          </a:rPr>
+                        </m:ctrlPr>
+                      </m:sSupPr>
+                      <m:e>
+                        <m:r>
+                          <a:rPr lang="en-US" sz="1200" b="1" i="1">
+                            <a:effectLst/>
+                            <a:latin typeface="Cambria Math" panose="02040503050406030204" pitchFamily="18" charset="0"/>
+                            <a:ea typeface="Calibri" panose="020F0502020204030204" pitchFamily="34" charset="0"/>
+                            <a:cs typeface="Arial" panose="020B0604020202020204" pitchFamily="34" charset="0"/>
+                          </a:rPr>
+                          <m:t>𝒄</m:t>
+                        </m:r>
+                      </m:e>
+                      <m:sup>
+                        <m:r>
+                          <a:rPr lang="en-US" sz="1200" b="1" i="1">
+                            <a:effectLst/>
+                            <a:latin typeface="Cambria Math" panose="02040503050406030204" pitchFamily="18" charset="0"/>
+                            <a:ea typeface="Calibri" panose="020F0502020204030204" pitchFamily="34" charset="0"/>
+                            <a:cs typeface="Arial" panose="020B0604020202020204" pitchFamily="34" charset="0"/>
+                          </a:rPr>
+                          <m:t>∗</m:t>
+                        </m:r>
+                      </m:sup>
+                    </m:sSup>
+                  </m:oMath>
+                </a14:m>
+                <a:r>
+                  <a:rPr lang="en-US" sz="1200" dirty="0">
+                    <a:effectLst/>
+                    <a:latin typeface="Arial" panose="020B0604020202020204" pitchFamily="34" charset="0"/>
+                    <a:ea typeface="Calibri" panose="020F0502020204030204" pitchFamily="34" charset="0"/>
+                  </a:rPr>
+                  <a:t> </a:t>
+                </a:r>
+              </a:p>
+              <a:p>
+                <a:pPr/>
+                <a14:m>
+                  <m:oMathPara xmlns:m="http://schemas.openxmlformats.org/officeDocument/2006/math">
+                    <m:oMathParaPr>
+                      <m:jc m:val="left"/>
+                    </m:oMathParaPr>
+                    <m:oMath xmlns:m="http://schemas.openxmlformats.org/officeDocument/2006/math">
+                      <m:sSup>
+                        <m:sSupPr>
+                          <m:ctrlPr>
+                            <a:rPr lang="en-US" sz="1600" b="1" i="1" smtClean="0">
+                              <a:effectLst/>
+                              <a:latin typeface="Cambria Math" panose="02040503050406030204" pitchFamily="18" charset="0"/>
+                              <a:cs typeface="Arial" panose="020B0604020202020204" pitchFamily="34" charset="0"/>
+                            </a:rPr>
+                          </m:ctrlPr>
+                        </m:sSupPr>
+                        <m:e>
+                          <m:r>
+                            <a:rPr lang="en-US" sz="1600" b="1" i="1">
+                              <a:effectLst/>
+                              <a:latin typeface="Cambria Math" panose="02040503050406030204" pitchFamily="18" charset="0"/>
+                              <a:ea typeface="Calibri" panose="020F0502020204030204" pitchFamily="34" charset="0"/>
+                              <a:cs typeface="Arial" panose="020B0604020202020204" pitchFamily="34" charset="0"/>
+                            </a:rPr>
+                            <m:t>𝒄</m:t>
+                          </m:r>
+                        </m:e>
+                        <m:sup>
+                          <m:r>
+                            <a:rPr lang="en-US" sz="1600" b="1" i="1">
+                              <a:effectLst/>
+                              <a:latin typeface="Cambria Math" panose="02040503050406030204" pitchFamily="18" charset="0"/>
+                              <a:ea typeface="Calibri" panose="020F0502020204030204" pitchFamily="34" charset="0"/>
+                              <a:cs typeface="Arial" panose="020B0604020202020204" pitchFamily="34" charset="0"/>
+                            </a:rPr>
+                            <m:t>∗</m:t>
+                          </m:r>
+                        </m:sup>
+                      </m:sSup>
+                      <m:r>
+                        <a:rPr lang="en-US" sz="1600" i="1">
+                          <a:effectLst/>
+                          <a:latin typeface="Cambria Math" panose="02040503050406030204" pitchFamily="18" charset="0"/>
+                          <a:ea typeface="Calibri" panose="020F0502020204030204" pitchFamily="34" charset="0"/>
+                          <a:cs typeface="Arial" panose="020B0604020202020204" pitchFamily="34" charset="0"/>
+                        </a:rPr>
+                        <m:t>=</m:t>
+                      </m:r>
+                      <m:r>
+                        <a:rPr lang="en-US" sz="1600" b="1" i="1">
+                          <a:effectLst/>
+                          <a:latin typeface="Cambria Math" panose="02040503050406030204" pitchFamily="18" charset="0"/>
+                          <a:ea typeface="Calibri" panose="020F0502020204030204" pitchFamily="34" charset="0"/>
+                          <a:cs typeface="Arial" panose="020B0604020202020204" pitchFamily="34" charset="0"/>
+                        </a:rPr>
+                        <m:t>𝑨</m:t>
+                      </m:r>
+                      <m:sSup>
+                        <m:sSupPr>
+                          <m:ctrlPr>
+                            <a:rPr lang="en-US" sz="1600" b="1" i="1">
+                              <a:effectLst/>
+                              <a:latin typeface="Cambria Math" panose="02040503050406030204" pitchFamily="18" charset="0"/>
+                              <a:cs typeface="Arial" panose="020B0604020202020204" pitchFamily="34" charset="0"/>
+                            </a:rPr>
+                          </m:ctrlPr>
+                        </m:sSupPr>
+                        <m:e>
+                          <m:r>
+                            <a:rPr lang="en-US" sz="1600" b="1" i="1">
+                              <a:effectLst/>
+                              <a:latin typeface="Cambria Math" panose="02040503050406030204" pitchFamily="18" charset="0"/>
+                              <a:ea typeface="Calibri" panose="020F0502020204030204" pitchFamily="34" charset="0"/>
+                              <a:cs typeface="Arial" panose="020B0604020202020204" pitchFamily="34" charset="0"/>
+                            </a:rPr>
+                            <m:t>𝒖</m:t>
+                          </m:r>
+                        </m:e>
+                        <m:sup>
+                          <m:r>
+                            <a:rPr lang="en-US" sz="1600" b="1" i="1">
+                              <a:effectLst/>
+                              <a:latin typeface="Cambria Math" panose="02040503050406030204" pitchFamily="18" charset="0"/>
+                              <a:ea typeface="Calibri" panose="020F0502020204030204" pitchFamily="34" charset="0"/>
+                              <a:cs typeface="Arial" panose="020B0604020202020204" pitchFamily="34" charset="0"/>
+                            </a:rPr>
+                            <m:t>∗</m:t>
+                          </m:r>
+                        </m:sup>
+                      </m:sSup>
+                    </m:oMath>
+                  </m:oMathPara>
+                </a14:m>
+                <a:endParaRPr lang="en-US" sz="900" i="1" dirty="0"/>
+              </a:p>
+              <a:p>
+                <a:pPr/>
+                <a:endParaRPr lang="en-US" sz="900" i="1" dirty="0"/>
+              </a:p>
+              <a:p>
+                <a:pPr/>
+                <a:r>
+                  <a:rPr lang="en-US" sz="1200" dirty="0">
+                    <a:latin typeface="Arial" panose="020B0604020202020204" pitchFamily="34" charset="0"/>
+                    <a:cs typeface="Arial" panose="020B0604020202020204" pitchFamily="34" charset="0"/>
+                  </a:rPr>
+                  <a:t>For the radius </a:t>
+                </a:r>
+                <a:r>
+                  <a:rPr lang="en-US" sz="1200" b="1" i="1" dirty="0">
+                    <a:latin typeface="Arial" panose="020B0604020202020204" pitchFamily="34" charset="0"/>
+                    <a:cs typeface="Arial" panose="020B0604020202020204" pitchFamily="34" charset="0"/>
+                  </a:rPr>
+                  <a:t>r*</a:t>
+                </a:r>
+              </a:p>
+            </p:txBody>
+          </p:sp>
+        </mc:Choice>
+        <mc:Fallback>
+          <p:sp>
+            <p:nvSpPr>
+              <p:cNvPr id="7" name="TextBox 6">
+                <a:extLst>
+                  <a:ext uri="{FF2B5EF4-FFF2-40B4-BE49-F238E27FC236}">
+                    <a16:creationId xmlns:a16="http://schemas.microsoft.com/office/drawing/2014/main" id="{3554DC00-94DE-13F9-D960-060509FF1005}"/>
+                  </a:ext>
+                </a:extLst>
+              </p:cNvPr>
+              <p:cNvSpPr txBox="1">
+                <a:spLocks noRot="1" noChangeAspect="1" noMove="1" noResize="1" noEditPoints="1" noAdjustHandles="1" noChangeArrowheads="1" noChangeShapeType="1" noTextEdit="1"/>
+              </p:cNvSpPr>
+              <p:nvPr/>
+            </p:nvSpPr>
+            <p:spPr>
+              <a:xfrm>
+                <a:off x="5566299" y="1287225"/>
+                <a:ext cx="4922694" cy="1246495"/>
+              </a:xfrm>
+              <a:prstGeom prst="rect">
+                <a:avLst/>
+              </a:prstGeom>
+              <a:blipFill>
+                <a:blip r:embed="rId2"/>
+                <a:stretch>
+                  <a:fillRect t="-488"/>
+                </a:stretch>
+              </a:blipFill>
+            </p:spPr>
+            <p:txBody>
+              <a:bodyPr/>
+              <a:lstStyle/>
+              <a:p>
+                <a:r>
+                  <a:rPr lang="en-US">
+                    <a:noFill/>
+                  </a:rPr>
+                  <a:t> </a:t>
+                </a:r>
+              </a:p>
+            </p:txBody>
+          </p:sp>
+        </mc:Fallback>
+      </mc:AlternateContent>
+      <p:pic>
+        <p:nvPicPr>
+          <p:cNvPr id="15" name="Picture 14">
+            <a:extLst>
+              <a:ext uri="{FF2B5EF4-FFF2-40B4-BE49-F238E27FC236}">
+                <a16:creationId xmlns:a16="http://schemas.microsoft.com/office/drawing/2014/main" id="{2BC46D84-9228-0546-6812-04AD4EE24D47}"/>
+              </a:ext>
+            </a:extLst>
+          </p:cNvPr>
+          <p:cNvPicPr>
+            <a:picLocks noChangeAspect="1"/>
+          </p:cNvPicPr>
+          <p:nvPr/>
+        </p:nvPicPr>
+        <p:blipFill>
+          <a:blip r:embed="rId3"/>
+          <a:stretch>
+            <a:fillRect/>
+          </a:stretch>
+        </p:blipFill>
+        <p:spPr>
+          <a:xfrm>
+            <a:off x="5566299" y="858540"/>
+            <a:ext cx="4991797" cy="428685"/>
+          </a:xfrm>
+          <a:prstGeom prst="rect">
+            <a:avLst/>
+          </a:prstGeom>
+        </p:spPr>
+      </p:pic>
+      <p:pic>
+        <p:nvPicPr>
+          <p:cNvPr id="4" name="Picture 3">
+            <a:extLst>
+              <a:ext uri="{FF2B5EF4-FFF2-40B4-BE49-F238E27FC236}">
+                <a16:creationId xmlns:a16="http://schemas.microsoft.com/office/drawing/2014/main" id="{3C18230A-A7C9-781F-3867-D853D33BFF57}"/>
+              </a:ext>
+            </a:extLst>
+          </p:cNvPr>
+          <p:cNvPicPr>
+            <a:picLocks noChangeAspect="1"/>
+          </p:cNvPicPr>
+          <p:nvPr/>
+        </p:nvPicPr>
+        <p:blipFill>
+          <a:blip r:embed="rId4"/>
+          <a:stretch>
+            <a:fillRect/>
+          </a:stretch>
+        </p:blipFill>
+        <p:spPr>
+          <a:xfrm>
+            <a:off x="5566299" y="2533720"/>
+            <a:ext cx="4815373" cy="439794"/>
+          </a:xfrm>
+          <a:prstGeom prst="rect">
+            <a:avLst/>
+          </a:prstGeom>
+        </p:spPr>
+      </p:pic>
+      <p:pic>
+        <p:nvPicPr>
+          <p:cNvPr id="8" name="Picture 7">
+            <a:extLst>
+              <a:ext uri="{FF2B5EF4-FFF2-40B4-BE49-F238E27FC236}">
+                <a16:creationId xmlns:a16="http://schemas.microsoft.com/office/drawing/2014/main" id="{6E744894-C425-4F0B-451C-D1790F6DDBFA}"/>
+              </a:ext>
+            </a:extLst>
+          </p:cNvPr>
+          <p:cNvPicPr>
+            <a:picLocks noChangeAspect="1"/>
+          </p:cNvPicPr>
+          <p:nvPr/>
+        </p:nvPicPr>
+        <p:blipFill>
+          <a:blip r:embed="rId5"/>
+          <a:stretch>
+            <a:fillRect/>
+          </a:stretch>
+        </p:blipFill>
+        <p:spPr>
+          <a:xfrm>
+            <a:off x="5566299" y="3134921"/>
+            <a:ext cx="2698932" cy="588158"/>
+          </a:xfrm>
+          <a:prstGeom prst="rect">
+            <a:avLst/>
+          </a:prstGeom>
+        </p:spPr>
+      </p:pic>
+      <p:pic>
+        <p:nvPicPr>
+          <p:cNvPr id="11" name="Picture 10">
+            <a:extLst>
+              <a:ext uri="{FF2B5EF4-FFF2-40B4-BE49-F238E27FC236}">
+                <a16:creationId xmlns:a16="http://schemas.microsoft.com/office/drawing/2014/main" id="{69C2D5BE-9373-A16A-51EA-011324D4038A}"/>
+              </a:ext>
+            </a:extLst>
+          </p:cNvPr>
+          <p:cNvPicPr>
+            <a:picLocks noChangeAspect="1"/>
+          </p:cNvPicPr>
+          <p:nvPr/>
+        </p:nvPicPr>
+        <p:blipFill>
+          <a:blip r:embed="rId6"/>
+          <a:stretch>
+            <a:fillRect/>
+          </a:stretch>
+        </p:blipFill>
+        <p:spPr>
+          <a:xfrm>
+            <a:off x="5484459" y="3914742"/>
+            <a:ext cx="2577738" cy="437579"/>
+          </a:xfrm>
+          <a:prstGeom prst="rect">
+            <a:avLst/>
+          </a:prstGeom>
+        </p:spPr>
+      </p:pic>
+      <p:pic>
+        <p:nvPicPr>
+          <p:cNvPr id="14" name="Picture 13">
+            <a:extLst>
+              <a:ext uri="{FF2B5EF4-FFF2-40B4-BE49-F238E27FC236}">
+                <a16:creationId xmlns:a16="http://schemas.microsoft.com/office/drawing/2014/main" id="{08510062-4567-F8F6-6D95-5492FCD092DE}"/>
+              </a:ext>
+            </a:extLst>
+          </p:cNvPr>
+          <p:cNvPicPr>
+            <a:picLocks noChangeAspect="1"/>
+          </p:cNvPicPr>
+          <p:nvPr/>
+        </p:nvPicPr>
+        <p:blipFill>
+          <a:blip r:embed="rId7"/>
+          <a:stretch>
+            <a:fillRect/>
+          </a:stretch>
+        </p:blipFill>
+        <p:spPr>
+          <a:xfrm>
+            <a:off x="5523191" y="4543984"/>
+            <a:ext cx="1748901" cy="559333"/>
+          </a:xfrm>
+          <a:prstGeom prst="rect">
+            <a:avLst/>
+          </a:prstGeom>
+        </p:spPr>
+      </p:pic>
+    </p:spTree>
+    <p:extLst>
+      <p:ext uri="{BB962C8B-B14F-4D97-AF65-F5344CB8AC3E}">
+        <p14:creationId xmlns:p14="http://schemas.microsoft.com/office/powerpoint/2010/main" val="365068316"/>
+      </p:ext>
+    </p:extLst>
+  </p:cSld>
+  <p:clrMapOvr>
+    <a:masterClrMapping/>
+  </p:clrMapOvr>
+</p:sld>
+</file>
+
+<file path=ppt/slides/slide6.xml><?xml version="1.0" encoding="utf-8"?>
 <p:sld xmlns:a="http://schemas.openxmlformats.org/drawingml/2006/main" xmlns:r="http://schemas.openxmlformats.org/officeDocument/2006/relationships" xmlns:p="http://schemas.openxmlformats.org/presentationml/2006/main">
   <p:cSld>
     <p:spTree>
@@ -40151,252 +40769,6 @@
       </p:sp>
       <p:sp>
         <p:nvSpPr>
-          <p:cNvPr id="4" name="Text Placeholder 3">
-            <a:extLst>
-              <a:ext uri="{FF2B5EF4-FFF2-40B4-BE49-F238E27FC236}">
-                <a16:creationId xmlns:a16="http://schemas.microsoft.com/office/drawing/2014/main" id="{A112B089-A8F9-45B1-BE6E-EAC10163F082}"/>
-              </a:ext>
-            </a:extLst>
-          </p:cNvPr>
-          <p:cNvSpPr>
-            <a:spLocks noGrp="1"/>
-          </p:cNvSpPr>
-          <p:nvPr>
-            <p:ph type="body" idx="1"/>
-          </p:nvPr>
-        </p:nvSpPr>
-        <p:spPr>
-          <a:xfrm>
-            <a:off x="1243104" y="2776936"/>
-            <a:ext cx="2882475" cy="823912"/>
-          </a:xfrm>
-        </p:spPr>
-        <p:txBody>
-          <a:bodyPr/>
-          <a:lstStyle/>
-          <a:p>
-            <a:r>
-              <a:rPr lang="en-US" dirty="0"/>
-              <a:t>$3 Billion</a:t>
-            </a:r>
-          </a:p>
-        </p:txBody>
-      </p:sp>
-      <p:sp>
-        <p:nvSpPr>
-          <p:cNvPr id="7" name="Content Placeholder 6">
-            <a:extLst>
-              <a:ext uri="{FF2B5EF4-FFF2-40B4-BE49-F238E27FC236}">
-                <a16:creationId xmlns:a16="http://schemas.microsoft.com/office/drawing/2014/main" id="{6B35F89A-6CDF-41F7-BD87-18B45BD7330B}"/>
-              </a:ext>
-            </a:extLst>
-          </p:cNvPr>
-          <p:cNvSpPr>
-            <a:spLocks noGrp="1"/>
-          </p:cNvSpPr>
-          <p:nvPr>
-            <p:ph sz="half" idx="2"/>
-          </p:nvPr>
-        </p:nvSpPr>
-        <p:spPr>
-          <a:xfrm>
-            <a:off x="1243104" y="3834606"/>
-            <a:ext cx="2882475" cy="1997867"/>
-          </a:xfrm>
-        </p:spPr>
-        <p:txBody>
-          <a:bodyPr vert="horz" lIns="91440" tIns="45720" rIns="91440" bIns="45720" rtlCol="0" anchor="t">
-            <a:normAutofit/>
-          </a:bodyPr>
-          <a:lstStyle/>
-          <a:p>
-            <a:r>
-              <a:rPr lang="en-US" noProof="1"/>
-              <a:t>Freedom to invent</a:t>
-            </a:r>
-            <a:endParaRPr lang="en-US" dirty="0"/>
-          </a:p>
-          <a:p>
-            <a:r>
-              <a:rPr lang="en-US" noProof="1"/>
-              <a:t>Selectively inclusive market</a:t>
-            </a:r>
-          </a:p>
-          <a:p>
-            <a:r>
-              <a:rPr lang="en-US" noProof="1"/>
-              <a:t>Serviceable available market</a:t>
-            </a:r>
-          </a:p>
-          <a:p>
-            <a:endParaRPr lang="en-US" noProof="1"/>
-          </a:p>
-        </p:txBody>
-      </p:sp>
-      <p:sp>
-        <p:nvSpPr>
-          <p:cNvPr id="6" name="Text Placeholder 5">
-            <a:extLst>
-              <a:ext uri="{FF2B5EF4-FFF2-40B4-BE49-F238E27FC236}">
-                <a16:creationId xmlns:a16="http://schemas.microsoft.com/office/drawing/2014/main" id="{0FE22F9B-4BF8-41DC-8F1C-836B546E59AD}"/>
-              </a:ext>
-            </a:extLst>
-          </p:cNvPr>
-          <p:cNvSpPr>
-            <a:spLocks noGrp="1"/>
-          </p:cNvSpPr>
-          <p:nvPr>
-            <p:ph type="body" sz="quarter" idx="3"/>
-          </p:nvPr>
-        </p:nvSpPr>
-        <p:spPr>
-          <a:xfrm>
-            <a:off x="4647665" y="2776936"/>
-            <a:ext cx="2896671" cy="823912"/>
-          </a:xfrm>
-        </p:spPr>
-        <p:txBody>
-          <a:bodyPr/>
-          <a:lstStyle/>
-          <a:p>
-            <a:r>
-              <a:rPr lang="en-US" dirty="0"/>
-              <a:t>$1 Billion</a:t>
-            </a:r>
-          </a:p>
-        </p:txBody>
-      </p:sp>
-      <p:sp>
-        <p:nvSpPr>
-          <p:cNvPr id="3" name="Text Placeholder 2">
-            <a:extLst>
-              <a:ext uri="{FF2B5EF4-FFF2-40B4-BE49-F238E27FC236}">
-                <a16:creationId xmlns:a16="http://schemas.microsoft.com/office/drawing/2014/main" id="{D5E1C399-8F48-44F5-9461-3C89866D4CE1}"/>
-              </a:ext>
-            </a:extLst>
-          </p:cNvPr>
-          <p:cNvSpPr>
-            <a:spLocks noGrp="1"/>
-          </p:cNvSpPr>
-          <p:nvPr>
-            <p:ph sz="quarter" idx="4"/>
-          </p:nvPr>
-        </p:nvSpPr>
-        <p:spPr>
-          <a:xfrm>
-            <a:off x="4647665" y="3834606"/>
-            <a:ext cx="2896671" cy="1997867"/>
-          </a:xfrm>
-        </p:spPr>
-        <p:txBody>
-          <a:bodyPr/>
-          <a:lstStyle/>
-          <a:p>
-            <a:r>
-              <a:rPr lang="en-US" dirty="0"/>
-              <a:t>Opportunity to build</a:t>
-            </a:r>
-          </a:p>
-          <a:p>
-            <a:r>
-              <a:rPr lang="en-US" dirty="0"/>
-              <a:t>Fully inclusive market</a:t>
-            </a:r>
-          </a:p>
-          <a:p>
-            <a:r>
-              <a:rPr lang="en-US" dirty="0"/>
-              <a:t>Total addressable market</a:t>
-            </a:r>
-          </a:p>
-        </p:txBody>
-      </p:sp>
-      <p:sp>
-        <p:nvSpPr>
-          <p:cNvPr id="5" name="Content Placeholder 4">
-            <a:extLst>
-              <a:ext uri="{FF2B5EF4-FFF2-40B4-BE49-F238E27FC236}">
-                <a16:creationId xmlns:a16="http://schemas.microsoft.com/office/drawing/2014/main" id="{CF515C5D-2CDB-4E66-B2B8-1451BC44247F}"/>
-              </a:ext>
-            </a:extLst>
-          </p:cNvPr>
-          <p:cNvSpPr>
-            <a:spLocks noGrp="1"/>
-          </p:cNvSpPr>
-          <p:nvPr>
-            <p:ph type="body" idx="13"/>
-          </p:nvPr>
-        </p:nvSpPr>
-        <p:spPr>
-          <a:xfrm>
-            <a:off x="8066421" y="2776936"/>
-            <a:ext cx="2882475" cy="823912"/>
-          </a:xfrm>
-        </p:spPr>
-        <p:txBody>
-          <a:bodyPr vert="horz" lIns="91440" tIns="45720" rIns="91440" bIns="45720" rtlCol="0" anchor="b">
-            <a:normAutofit/>
-          </a:bodyPr>
-          <a:lstStyle/>
-          <a:p>
-            <a:r>
-              <a:rPr lang="en-US" dirty="0"/>
-              <a:t>$2 Billion</a:t>
-            </a:r>
-          </a:p>
-        </p:txBody>
-      </p:sp>
-      <p:sp>
-        <p:nvSpPr>
-          <p:cNvPr id="8" name="Text Placeholder 7">
-            <a:extLst>
-              <a:ext uri="{FF2B5EF4-FFF2-40B4-BE49-F238E27FC236}">
-                <a16:creationId xmlns:a16="http://schemas.microsoft.com/office/drawing/2014/main" id="{E92B9716-8D44-4864-8986-720957B34362}"/>
-              </a:ext>
-            </a:extLst>
-          </p:cNvPr>
-          <p:cNvSpPr>
-            <a:spLocks noGrp="1"/>
-          </p:cNvSpPr>
-          <p:nvPr>
-            <p:ph sz="half" idx="14"/>
-          </p:nvPr>
-        </p:nvSpPr>
-        <p:spPr>
-          <a:xfrm>
-            <a:off x="8066421" y="3834606"/>
-            <a:ext cx="2882475" cy="1997867"/>
-          </a:xfrm>
-        </p:spPr>
-        <p:txBody>
-          <a:bodyPr/>
-          <a:lstStyle/>
-          <a:p>
-            <a:r>
-              <a:rPr lang="en-US" noProof="1"/>
-              <a:t>Few competitors</a:t>
-            </a:r>
-          </a:p>
-          <a:p>
-            <a:r>
-              <a:rPr lang="en-US" noProof="1"/>
-              <a:t>Specifically targeted market</a:t>
-            </a:r>
-          </a:p>
-          <a:p>
-            <a:r>
-              <a:rPr lang="en-US" noProof="1"/>
-              <a:t>Serviceable obtainable market</a:t>
-            </a:r>
-            <a:endParaRPr lang="en-US" dirty="0"/>
-          </a:p>
-          <a:p>
-            <a:endParaRPr lang="en-US" dirty="0"/>
-          </a:p>
-        </p:txBody>
-      </p:sp>
-      <p:sp>
-        <p:nvSpPr>
           <p:cNvPr id="11" name="Slide Number Placeholder 10">
             <a:extLst>
               <a:ext uri="{FF2B5EF4-FFF2-40B4-BE49-F238E27FC236}">
@@ -40424,7 +40796,7 @@
             <a:fld id="{B5CEABB6-07DC-46E8-9B57-56EC44A396E5}" type="slidenum">
               <a:rPr lang="en-US" smtClean="0"/>
               <a:pPr/>
-              <a:t>5</a:t>
+              <a:t>6</a:t>
             </a:fld>
             <a:endParaRPr lang="en-US" dirty="0"/>
           </a:p>
@@ -40443,7 +40815,7 @@
 </p:sld>
 </file>
 
-<file path=ppt/slides/slide6.xml><?xml version="1.0" encoding="utf-8"?>
+<file path=ppt/slides/slide7.xml><?xml version="1.0" encoding="utf-8"?>
 <p:sld xmlns:a="http://schemas.openxmlformats.org/drawingml/2006/main" xmlns:r="http://schemas.openxmlformats.org/officeDocument/2006/relationships" xmlns:p="http://schemas.openxmlformats.org/presentationml/2006/main">
   <p:cSld>
     <p:spTree>
@@ -40663,7 +41035,7 @@
         <p:spPr>
           <a:xfrm>
             <a:off x="4401535" y="1594478"/>
-            <a:ext cx="5539095" cy="1010842"/>
+            <a:ext cx="6491366" cy="1010842"/>
           </a:xfrm>
         </p:spPr>
         <p:txBody>
@@ -40671,11 +41043,9 @@
           <a:lstStyle/>
           <a:p>
             <a:r>
-              <a:rPr lang="en-US" dirty="0"/>
-              <a:t>Few, if any, products on the market help customers like we do</a:t>
+              <a:rPr lang="en-GB" dirty="0"/>
+              <a:t>Frank Wolfe algorithm provides a straightforward approach for solving a convex minimization problem over a compact convex set</a:t>
             </a:r>
-          </a:p>
-          <a:p>
             <a:endParaRPr lang="en-US" dirty="0"/>
           </a:p>
         </p:txBody>
@@ -40699,7 +41069,7 @@
         <p:spPr>
           <a:xfrm>
             <a:off x="4986028" y="2673328"/>
-            <a:ext cx="5539095" cy="1010842"/>
+            <a:ext cx="5824846" cy="1010842"/>
           </a:xfrm>
         </p:spPr>
         <p:txBody>
@@ -40707,11 +41077,9 @@
           <a:lstStyle/>
           <a:p>
             <a:r>
-              <a:rPr lang="en-US" dirty="0"/>
-              <a:t>66% of US consumers spend money on multiple products that only partially resolves their issue</a:t>
+              <a:rPr lang="en-GB" dirty="0"/>
+              <a:t>A simple improvement over the FW algorithm with introducing the possibility of taking ‘away steps’ during optimization.</a:t>
             </a:r>
-          </a:p>
-          <a:p>
             <a:endParaRPr lang="en-US" dirty="0"/>
           </a:p>
         </p:txBody>
@@ -40735,7 +41103,7 @@
         <p:spPr>
           <a:xfrm>
             <a:off x="5576937" y="3755394"/>
-            <a:ext cx="5539095" cy="1010842"/>
+            <a:ext cx="5901890" cy="1010842"/>
           </a:xfrm>
         </p:spPr>
         <p:txBody>
@@ -40744,8 +41112,13 @@
           <a:p>
             <a:r>
               <a:rPr lang="en-US" dirty="0"/>
-              <a:t>Millennials account for about a quarter of the $48 billion spent on other products in 2018</a:t>
+              <a:t>Combination of the Pairwise Conditional Gradient with </a:t>
             </a:r>
+            <a:r>
+              <a:rPr lang="en-GB" dirty="0"/>
+              <a:t>the blending criterion from the Blended Conditional Gradients Algorithm that eliminates the occurrence of swap steps.</a:t>
+            </a:r>
+            <a:endParaRPr lang="en-US" dirty="0"/>
           </a:p>
           <a:p>
             <a:endParaRPr lang="en-US" dirty="0"/>
@@ -40779,11 +41152,9 @@
           <a:lstStyle/>
           <a:p>
             <a:r>
-              <a:rPr lang="en-US" dirty="0"/>
-              <a:t>Loss of productivity costing consumers thousands of dollars </a:t>
+              <a:rPr lang="en-GB" dirty="0"/>
+              <a:t>It exploits the special structure of the MEB dual formulation  and can geometrically be viewed as generating a sequence of trial balls until a ball with desired properties is computed.</a:t>
             </a:r>
-          </a:p>
-          <a:p>
             <a:endParaRPr lang="en-US" dirty="0"/>
           </a:p>
         </p:txBody>
@@ -40817,7 +41188,7 @@
             <a:fld id="{B5CEABB6-07DC-46E8-9B57-56EC44A396E5}" type="slidenum">
               <a:rPr lang="en-US" smtClean="0"/>
               <a:pPr/>
-              <a:t>6</a:t>
+              <a:t>7</a:t>
             </a:fld>
             <a:endParaRPr lang="en-US" dirty="0"/>
           </a:p>
@@ -40836,7 +41207,7 @@
 </p:sld>
 </file>
 
-<file path=ppt/slides/slide7.xml><?xml version="1.0" encoding="utf-8"?>
+<file path=ppt/slides/slide8.xml><?xml version="1.0" encoding="utf-8"?>
 <p:sld xmlns:a="http://schemas.openxmlformats.org/drawingml/2006/main" xmlns:r="http://schemas.openxmlformats.org/officeDocument/2006/relationships" xmlns:p="http://schemas.openxmlformats.org/presentationml/2006/main">
   <p:cSld>
     <p:spTree>
@@ -40983,7 +41354,7 @@
             <a:fld id="{B5CEABB6-07DC-46E8-9B57-56EC44A396E5}" type="slidenum">
               <a:rPr lang="en-US" smtClean="0"/>
               <a:pPr/>
-              <a:t>7</a:t>
+              <a:t>8</a:t>
             </a:fld>
             <a:endParaRPr lang="en-US" dirty="0"/>
           </a:p>
@@ -41002,7 +41373,7 @@
 </p:sld>
 </file>
 
-<file path=ppt/slides/slide8.xml><?xml version="1.0" encoding="utf-8"?>
+<file path=ppt/slides/slide9.xml><?xml version="1.0" encoding="utf-8"?>
 <p:sld xmlns:a="http://schemas.openxmlformats.org/drawingml/2006/main" xmlns:r="http://schemas.openxmlformats.org/officeDocument/2006/relationships" xmlns:p="http://schemas.openxmlformats.org/presentationml/2006/main">
   <p:cSld>
     <p:spTree>
@@ -41086,7 +41457,7 @@
             <a:fld id="{B5CEABB6-07DC-46E8-9B57-56EC44A396E5}" type="slidenum">
               <a:rPr lang="en-US" smtClean="0"/>
               <a:pPr/>
-              <a:t>8</a:t>
+              <a:t>9</a:t>
             </a:fld>
             <a:endParaRPr lang="en-US" dirty="0"/>
           </a:p>
@@ -41126,134 +41497,6 @@
     <p:extLst>
       <p:ext uri="{BB962C8B-B14F-4D97-AF65-F5344CB8AC3E}">
         <p14:creationId xmlns:p14="http://schemas.microsoft.com/office/powerpoint/2010/main" val="2423006990"/>
-      </p:ext>
-    </p:extLst>
-  </p:cSld>
-  <p:clrMapOvr>
-    <a:masterClrMapping/>
-  </p:clrMapOvr>
-</p:sld>
-</file>
-
-<file path=ppt/slides/slide9.xml><?xml version="1.0" encoding="utf-8"?>
-<p:sld xmlns:a="http://schemas.openxmlformats.org/drawingml/2006/main" xmlns:r="http://schemas.openxmlformats.org/officeDocument/2006/relationships" xmlns:p="http://schemas.openxmlformats.org/presentationml/2006/main">
-  <p:cSld>
-    <p:spTree>
-      <p:nvGrpSpPr>
-        <p:cNvPr id="1" name=""/>
-        <p:cNvGrpSpPr/>
-        <p:nvPr/>
-      </p:nvGrpSpPr>
-      <p:grpSpPr>
-        <a:xfrm>
-          <a:off x="0" y="0"/>
-          <a:ext cx="0" cy="0"/>
-          <a:chOff x="0" y="0"/>
-          <a:chExt cx="0" cy="0"/>
-        </a:xfrm>
-      </p:grpSpPr>
-      <p:sp>
-        <p:nvSpPr>
-          <p:cNvPr id="2" name="Title 1">
-            <a:extLst>
-              <a:ext uri="{FF2B5EF4-FFF2-40B4-BE49-F238E27FC236}">
-                <a16:creationId xmlns:a16="http://schemas.microsoft.com/office/drawing/2014/main" id="{5CE54ABB-4929-4810-950B-2DAEA0A5BAB4}"/>
-              </a:ext>
-            </a:extLst>
-          </p:cNvPr>
-          <p:cNvSpPr>
-            <a:spLocks noGrp="1"/>
-          </p:cNvSpPr>
-          <p:nvPr>
-            <p:ph type="title"/>
-          </p:nvPr>
-        </p:nvSpPr>
-        <p:spPr>
-          <a:xfrm>
-            <a:off x="1885156" y="892177"/>
-            <a:ext cx="8421688" cy="1325563"/>
-          </a:xfrm>
-        </p:spPr>
-        <p:txBody>
-          <a:bodyPr/>
-          <a:lstStyle/>
-          <a:p>
-            <a:r>
-              <a:rPr lang="en-US" dirty="0"/>
-              <a:t>Blended pairwise conditional gradient</a:t>
-            </a:r>
-          </a:p>
-        </p:txBody>
-      </p:sp>
-      <p:sp>
-        <p:nvSpPr>
-          <p:cNvPr id="11" name="Slide Number Placeholder 10">
-            <a:extLst>
-              <a:ext uri="{FF2B5EF4-FFF2-40B4-BE49-F238E27FC236}">
-                <a16:creationId xmlns:a16="http://schemas.microsoft.com/office/drawing/2014/main" id="{BAD5B6F4-0A90-447A-A1AE-D75C934B6B29}"/>
-              </a:ext>
-            </a:extLst>
-          </p:cNvPr>
-          <p:cNvSpPr>
-            <a:spLocks noGrp="1"/>
-          </p:cNvSpPr>
-          <p:nvPr>
-            <p:ph type="sldNum" sz="quarter" idx="12"/>
-          </p:nvPr>
-        </p:nvSpPr>
-        <p:spPr>
-          <a:xfrm>
-            <a:off x="8610600" y="6356350"/>
-            <a:ext cx="2743200" cy="365125"/>
-          </a:xfrm>
-        </p:spPr>
-        <p:txBody>
-          <a:bodyPr/>
-          <a:lstStyle/>
-          <a:p>
-            <a:fld id="{B5CEABB6-07DC-46E8-9B57-56EC44A396E5}" type="slidenum">
-              <a:rPr lang="en-US" smtClean="0"/>
-              <a:pPr/>
-              <a:t>9</a:t>
-            </a:fld>
-            <a:endParaRPr lang="en-US" dirty="0"/>
-          </a:p>
-        </p:txBody>
-      </p:sp>
-      <p:pic>
-        <p:nvPicPr>
-          <p:cNvPr id="25" name="Picture 24">
-            <a:extLst>
-              <a:ext uri="{FF2B5EF4-FFF2-40B4-BE49-F238E27FC236}">
-                <a16:creationId xmlns:a16="http://schemas.microsoft.com/office/drawing/2014/main" id="{448A4346-1542-9C16-C7E7-C3E88B9C2405}"/>
-              </a:ext>
-            </a:extLst>
-          </p:cNvPr>
-          <p:cNvPicPr>
-            <a:picLocks noChangeAspect="1"/>
-          </p:cNvPicPr>
-          <p:nvPr/>
-        </p:nvPicPr>
-        <p:blipFill>
-          <a:blip r:embed="rId2"/>
-          <a:stretch>
-            <a:fillRect/>
-          </a:stretch>
-        </p:blipFill>
-        <p:spPr>
-          <a:xfrm>
-            <a:off x="2555386" y="1904692"/>
-            <a:ext cx="7081227" cy="4451658"/>
-          </a:xfrm>
-          <a:prstGeom prst="rect">
-            <a:avLst/>
-          </a:prstGeom>
-        </p:spPr>
-      </p:pic>
-    </p:spTree>
-    <p:extLst>
-      <p:ext uri="{BB962C8B-B14F-4D97-AF65-F5344CB8AC3E}">
-        <p14:creationId xmlns:p14="http://schemas.microsoft.com/office/powerpoint/2010/main" val="2006960613"/>
       </p:ext>
     </p:extLst>
   </p:cSld>
@@ -42055,6 +42298,15 @@
 </file>
 
 <file path=customXml/item1.xml><?xml version="1.0" encoding="utf-8"?>
+<?mso-contentType ?>
+<FormTemplates xmlns="http://schemas.microsoft.com/sharepoint/v3/contenttype/forms">
+  <Display>DocumentLibraryForm</Display>
+  <Edit>DocumentLibraryForm</Edit>
+  <New>DocumentLibraryForm</New>
+</FormTemplates>
+</file>
+
+<file path=customXml/item2.xml><?xml version="1.0" encoding="utf-8"?>
 <p:properties xmlns:p="http://schemas.microsoft.com/office/2006/metadata/properties" xmlns:xsi="http://www.w3.org/2001/XMLSchema-instance" xmlns:pc="http://schemas.microsoft.com/office/infopath/2007/PartnerControls">
   <documentManagement>
     <_ip_UnifiedCompliancePolicyUIAction xmlns="http://schemas.microsoft.com/sharepoint/v3" xsi:nil="true"/>
@@ -42072,15 +42324,6 @@
     <MediaServiceKeyPoints xmlns="71af3243-3dd4-4a8d-8c0d-dd76da1f02a5" xsi:nil="true"/>
   </documentManagement>
 </p:properties>
-</file>
-
-<file path=customXml/item2.xml><?xml version="1.0" encoding="utf-8"?>
-<?mso-contentType ?>
-<FormTemplates xmlns="http://schemas.microsoft.com/sharepoint/v3/contenttype/forms">
-  <Display>DocumentLibraryForm</Display>
-  <Edit>DocumentLibraryForm</Edit>
-  <New>DocumentLibraryForm</New>
-</FormTemplates>
 </file>
 
 <file path=customXml/item3.xml><?xml version="1.0" encoding="utf-8"?>
@@ -42390,6 +42633,14 @@
 </file>
 
 <file path=customXml/itemProps1.xml><?xml version="1.0" encoding="utf-8"?>
+<ds:datastoreItem xmlns:ds="http://schemas.openxmlformats.org/officeDocument/2006/customXml" ds:itemID="{79BF405E-7930-4D5C-ABB3-493E9D6D6CEA}">
+  <ds:schemaRefs>
+    <ds:schemaRef ds:uri="http://schemas.microsoft.com/sharepoint/v3/contenttype/forms"/>
+  </ds:schemaRefs>
+</ds:datastoreItem>
+</file>
+
+<file path=customXml/itemProps2.xml><?xml version="1.0" encoding="utf-8"?>
 <ds:datastoreItem xmlns:ds="http://schemas.openxmlformats.org/officeDocument/2006/customXml" ds:itemID="{6EA97235-BEC4-4F82-87A8-2F5DAD53B5F9}">
   <ds:schemaRefs>
     <ds:schemaRef ds:uri="http://schemas.microsoft.com/office/2006/metadata/properties"/>
@@ -42397,14 +42648,6 @@
     <ds:schemaRef ds:uri="http://schemas.microsoft.com/sharepoint/v3"/>
     <ds:schemaRef ds:uri="71af3243-3dd4-4a8d-8c0d-dd76da1f02a5"/>
     <ds:schemaRef ds:uri="230e9df3-be65-4c73-a93b-d1236ebd677e"/>
-  </ds:schemaRefs>
-</ds:datastoreItem>
-</file>
-
-<file path=customXml/itemProps2.xml><?xml version="1.0" encoding="utf-8"?>
-<ds:datastoreItem xmlns:ds="http://schemas.openxmlformats.org/officeDocument/2006/customXml" ds:itemID="{79BF405E-7930-4D5C-ABB3-493E9D6D6CEA}">
-  <ds:schemaRefs>
-    <ds:schemaRef ds:uri="http://schemas.microsoft.com/sharepoint/v3/contenttype/forms"/>
   </ds:schemaRefs>
 </ds:datastoreItem>
 </file>
